--- a/06_CSS_CV.pptx
+++ b/06_CSS_CV.pptx
@@ -5,7 +5,7 @@
     <p:sldMasterId id="2147483759" r:id="rId4"/>
   </p:sldMasterIdLst>
   <p:notesMasterIdLst>
-    <p:notesMasterId r:id="rId14"/>
+    <p:notesMasterId r:id="rId17"/>
   </p:notesMasterIdLst>
   <p:sldIdLst>
     <p:sldId id="333" r:id="rId5"/>
@@ -13,10 +13,13 @@
     <p:sldId id="344" r:id="rId7"/>
     <p:sldId id="342" r:id="rId8"/>
     <p:sldId id="346" r:id="rId9"/>
-    <p:sldId id="343" r:id="rId10"/>
-    <p:sldId id="345" r:id="rId11"/>
-    <p:sldId id="347" r:id="rId12"/>
-    <p:sldId id="348" r:id="rId13"/>
+    <p:sldId id="349" r:id="rId10"/>
+    <p:sldId id="343" r:id="rId11"/>
+    <p:sldId id="345" r:id="rId12"/>
+    <p:sldId id="347" r:id="rId13"/>
+    <p:sldId id="350" r:id="rId14"/>
+    <p:sldId id="351" r:id="rId15"/>
+    <p:sldId id="348" r:id="rId16"/>
   </p:sldIdLst>
   <p:sldSz cx="12192000" cy="6858000"/>
   <p:notesSz cx="6858000" cy="9144000"/>
@@ -6462,6 +6465,889 @@
 </p:sld>
 </file>
 
+<file path=ppt/slides/slide10.xml><?xml version="1.0" encoding="utf-8"?>
+<p:sld xmlns:a="http://schemas.openxmlformats.org/drawingml/2006/main" xmlns:r="http://schemas.openxmlformats.org/officeDocument/2006/relationships" xmlns:p="http://schemas.openxmlformats.org/presentationml/2006/main">
+  <p:cSld>
+    <p:spTree>
+      <p:nvGrpSpPr>
+        <p:cNvPr id="1" name=""/>
+        <p:cNvGrpSpPr/>
+        <p:nvPr/>
+      </p:nvGrpSpPr>
+      <p:grpSpPr>
+        <a:xfrm>
+          <a:off x="0" y="0"/>
+          <a:ext cx="0" cy="0"/>
+          <a:chOff x="0" y="0"/>
+          <a:chExt cx="0" cy="0"/>
+        </a:xfrm>
+      </p:grpSpPr>
+      <p:sp>
+        <p:nvSpPr>
+          <p:cNvPr id="2" name="Title 1">
+            <a:extLst>
+              <a:ext uri="{FF2B5EF4-FFF2-40B4-BE49-F238E27FC236}">
+                <a16:creationId xmlns:a16="http://schemas.microsoft.com/office/drawing/2014/main" id="{2D4E4121-CDC8-41BA-846E-58655BA90FCF}"/>
+              </a:ext>
+            </a:extLst>
+          </p:cNvPr>
+          <p:cNvSpPr>
+            <a:spLocks noGrp="1"/>
+          </p:cNvSpPr>
+          <p:nvPr>
+            <p:ph type="ctrTitle"/>
+          </p:nvPr>
+        </p:nvSpPr>
+        <p:spPr>
+          <a:xfrm>
+            <a:off x="1154321" y="375999"/>
+            <a:ext cx="7766936" cy="970133"/>
+          </a:xfrm>
+        </p:spPr>
+        <p:txBody>
+          <a:bodyPr/>
+          <a:lstStyle/>
+          <a:p>
+            <a:pPr algn="l"/>
+            <a:r>
+              <a:rPr lang="en-US" sz="4800" b="1" dirty="0">
+                <a:solidFill>
+                  <a:schemeClr val="tx1">
+                    <a:lumMod val="75000"/>
+                    <a:lumOff val="25000"/>
+                  </a:schemeClr>
+                </a:solidFill>
+                <a:latin typeface="Segoe UI" panose="020B0502040204020203" pitchFamily="34" charset="0"/>
+                <a:cs typeface="Segoe UI" panose="020B0502040204020203" pitchFamily="34" charset="0"/>
+              </a:rPr>
+              <a:t>CSS</a:t>
+            </a:r>
+            <a:r>
+              <a:rPr lang="en-US" sz="4800" dirty="0">
+                <a:solidFill>
+                  <a:schemeClr val="tx1">
+                    <a:lumMod val="75000"/>
+                    <a:lumOff val="25000"/>
+                  </a:schemeClr>
+                </a:solidFill>
+                <a:latin typeface="Segoe UI" panose="020B0502040204020203" pitchFamily="34" charset="0"/>
+                <a:cs typeface="Segoe UI" panose="020B0502040204020203" pitchFamily="34" charset="0"/>
+              </a:rPr>
+              <a:t> | @media Rule</a:t>
+            </a:r>
+            <a:endParaRPr lang="en-US" sz="1600" b="1" dirty="0">
+              <a:solidFill>
+                <a:schemeClr val="tx1">
+                  <a:lumMod val="75000"/>
+                  <a:lumOff val="25000"/>
+                </a:schemeClr>
+              </a:solidFill>
+              <a:latin typeface="Segoe UI" panose="020B0502040204020203" pitchFamily="34" charset="0"/>
+              <a:cs typeface="Segoe UI" panose="020B0502040204020203" pitchFamily="34" charset="0"/>
+            </a:endParaRPr>
+          </a:p>
+        </p:txBody>
+      </p:sp>
+      <p:sp>
+        <p:nvSpPr>
+          <p:cNvPr id="15" name="TextBox 14">
+            <a:extLst>
+              <a:ext uri="{FF2B5EF4-FFF2-40B4-BE49-F238E27FC236}">
+                <a16:creationId xmlns:a16="http://schemas.microsoft.com/office/drawing/2014/main" id="{1C1B7C8E-FB6F-42B0-B676-EDA93A943FBA}"/>
+              </a:ext>
+            </a:extLst>
+          </p:cNvPr>
+          <p:cNvSpPr txBox="1"/>
+          <p:nvPr/>
+        </p:nvSpPr>
+        <p:spPr>
+          <a:xfrm>
+            <a:off x="1154321" y="1414843"/>
+            <a:ext cx="9214797" cy="646331"/>
+          </a:xfrm>
+          <a:prstGeom prst="rect">
+            <a:avLst/>
+          </a:prstGeom>
+          <a:noFill/>
+        </p:spPr>
+        <p:txBody>
+          <a:bodyPr wrap="square">
+            <a:spAutoFit/>
+          </a:bodyPr>
+          <a:lstStyle/>
+          <a:p>
+            <a:r>
+              <a:rPr lang="en-US" dirty="0">
+                <a:latin typeface="Segoe UI" panose="020B0502040204020203" pitchFamily="34" charset="0"/>
+                <a:cs typeface="Segoe UI" panose="020B0502040204020203" pitchFamily="34" charset="0"/>
+              </a:rPr>
+              <a:t>The @media rule is used in </a:t>
+            </a:r>
+            <a:r>
+              <a:rPr lang="en-US" b="1" dirty="0">
+                <a:latin typeface="Segoe UI" panose="020B0502040204020203" pitchFamily="34" charset="0"/>
+                <a:cs typeface="Segoe UI" panose="020B0502040204020203" pitchFamily="34" charset="0"/>
+              </a:rPr>
+              <a:t>media queries </a:t>
+            </a:r>
+            <a:r>
+              <a:rPr lang="en-US" dirty="0">
+                <a:latin typeface="Segoe UI" panose="020B0502040204020203" pitchFamily="34" charset="0"/>
+                <a:cs typeface="Segoe UI" panose="020B0502040204020203" pitchFamily="34" charset="0"/>
+              </a:rPr>
+              <a:t>to apply different styles for different media types/devices.</a:t>
+            </a:r>
+          </a:p>
+        </p:txBody>
+      </p:sp>
+      <p:sp>
+        <p:nvSpPr>
+          <p:cNvPr id="6" name="TextBox 5">
+            <a:extLst>
+              <a:ext uri="{FF2B5EF4-FFF2-40B4-BE49-F238E27FC236}">
+                <a16:creationId xmlns:a16="http://schemas.microsoft.com/office/drawing/2014/main" id="{CCDFCBBB-167F-43CB-9B4E-09DD38221EAE}"/>
+              </a:ext>
+            </a:extLst>
+          </p:cNvPr>
+          <p:cNvSpPr txBox="1"/>
+          <p:nvPr/>
+        </p:nvSpPr>
+        <p:spPr>
+          <a:xfrm>
+            <a:off x="1154321" y="2129885"/>
+            <a:ext cx="9081632" cy="646331"/>
+          </a:xfrm>
+          <a:prstGeom prst="rect">
+            <a:avLst/>
+          </a:prstGeom>
+          <a:noFill/>
+        </p:spPr>
+        <p:txBody>
+          <a:bodyPr wrap="square">
+            <a:spAutoFit/>
+          </a:bodyPr>
+          <a:lstStyle/>
+          <a:p>
+            <a:r>
+              <a:rPr lang="en-US" dirty="0">
+                <a:latin typeface="Segoe UI" panose="020B0502040204020203" pitchFamily="34" charset="0"/>
+                <a:cs typeface="Segoe UI" panose="020B0502040204020203" pitchFamily="34" charset="0"/>
+              </a:rPr>
+              <a:t>Using media queries are a popular technique for delivering a tailored style sheet (responsive web design) to desktops, laptops, tablets, and mobile phones.</a:t>
+            </a:r>
+          </a:p>
+        </p:txBody>
+      </p:sp>
+      <p:sp>
+        <p:nvSpPr>
+          <p:cNvPr id="10" name="TextBox 9">
+            <a:extLst>
+              <a:ext uri="{FF2B5EF4-FFF2-40B4-BE49-F238E27FC236}">
+                <a16:creationId xmlns:a16="http://schemas.microsoft.com/office/drawing/2014/main" id="{8AD83404-8928-4553-896D-F14BB54AD2AC}"/>
+              </a:ext>
+            </a:extLst>
+          </p:cNvPr>
+          <p:cNvSpPr txBox="1"/>
+          <p:nvPr/>
+        </p:nvSpPr>
+        <p:spPr>
+          <a:xfrm>
+            <a:off x="1154321" y="2844927"/>
+            <a:ext cx="6098958" cy="2585323"/>
+          </a:xfrm>
+          <a:prstGeom prst="rect">
+            <a:avLst/>
+          </a:prstGeom>
+          <a:noFill/>
+        </p:spPr>
+        <p:txBody>
+          <a:bodyPr wrap="square">
+            <a:spAutoFit/>
+          </a:bodyPr>
+          <a:lstStyle/>
+          <a:p>
+            <a:r>
+              <a:rPr lang="en-US" dirty="0">
+                <a:latin typeface="Segoe UI" panose="020B0502040204020203" pitchFamily="34" charset="0"/>
+                <a:cs typeface="Segoe UI" panose="020B0502040204020203" pitchFamily="34" charset="0"/>
+              </a:rPr>
+              <a:t>You can also use media queries to specify that certain styles are only for printed documents or for screen readers. </a:t>
+            </a:r>
+          </a:p>
+          <a:p>
+            <a:br>
+              <a:rPr lang="en-US" dirty="0">
+                <a:latin typeface="Segoe UI" panose="020B0502040204020203" pitchFamily="34" charset="0"/>
+                <a:cs typeface="Segoe UI" panose="020B0502040204020203" pitchFamily="34" charset="0"/>
+              </a:rPr>
+            </a:br>
+            <a:r>
+              <a:rPr lang="en-US" dirty="0" err="1">
+                <a:latin typeface="Segoe UI" panose="020B0502040204020203" pitchFamily="34" charset="0"/>
+                <a:cs typeface="Segoe UI" panose="020B0502040204020203" pitchFamily="34" charset="0"/>
+              </a:rPr>
+              <a:t>Mediatypes</a:t>
+            </a:r>
+            <a:r>
+              <a:rPr lang="en-US" dirty="0">
+                <a:latin typeface="Segoe UI" panose="020B0502040204020203" pitchFamily="34" charset="0"/>
+                <a:cs typeface="Segoe UI" panose="020B0502040204020203" pitchFamily="34" charset="0"/>
+              </a:rPr>
+              <a:t>: </a:t>
+            </a:r>
+          </a:p>
+          <a:p>
+            <a:pPr marL="342900" indent="-342900">
+              <a:buFont typeface="+mj-lt"/>
+              <a:buAutoNum type="arabicPeriod"/>
+            </a:pPr>
+            <a:r>
+              <a:rPr lang="en-US" dirty="0">
+                <a:latin typeface="Segoe UI" panose="020B0502040204020203" pitchFamily="34" charset="0"/>
+                <a:cs typeface="Segoe UI" panose="020B0502040204020203" pitchFamily="34" charset="0"/>
+              </a:rPr>
+              <a:t>Print</a:t>
+            </a:r>
+          </a:p>
+          <a:p>
+            <a:pPr marL="342900" indent="-342900">
+              <a:buFont typeface="+mj-lt"/>
+              <a:buAutoNum type="arabicPeriod"/>
+            </a:pPr>
+            <a:r>
+              <a:rPr lang="en-US" dirty="0">
+                <a:latin typeface="Segoe UI" panose="020B0502040204020203" pitchFamily="34" charset="0"/>
+                <a:cs typeface="Segoe UI" panose="020B0502040204020203" pitchFamily="34" charset="0"/>
+              </a:rPr>
+              <a:t>Screen</a:t>
+            </a:r>
+          </a:p>
+          <a:p>
+            <a:pPr marL="342900" indent="-342900">
+              <a:buFont typeface="+mj-lt"/>
+              <a:buAutoNum type="arabicPeriod"/>
+            </a:pPr>
+            <a:r>
+              <a:rPr lang="en-US" dirty="0">
+                <a:latin typeface="Segoe UI" panose="020B0502040204020203" pitchFamily="34" charset="0"/>
+                <a:cs typeface="Segoe UI" panose="020B0502040204020203" pitchFamily="34" charset="0"/>
+              </a:rPr>
+              <a:t>Speech</a:t>
+            </a:r>
+          </a:p>
+          <a:p>
+            <a:endParaRPr lang="en-US" dirty="0">
+              <a:latin typeface="Segoe UI" panose="020B0502040204020203" pitchFamily="34" charset="0"/>
+              <a:cs typeface="Segoe UI" panose="020B0502040204020203" pitchFamily="34" charset="0"/>
+            </a:endParaRPr>
+          </a:p>
+        </p:txBody>
+      </p:sp>
+      <p:pic>
+        <p:nvPicPr>
+          <p:cNvPr id="11" name="Picture 10">
+            <a:extLst>
+              <a:ext uri="{FF2B5EF4-FFF2-40B4-BE49-F238E27FC236}">
+                <a16:creationId xmlns:a16="http://schemas.microsoft.com/office/drawing/2014/main" id="{64EC8D08-8F74-48BC-AC21-35BF8DF0FB6C}"/>
+              </a:ext>
+            </a:extLst>
+          </p:cNvPr>
+          <p:cNvPicPr>
+            <a:picLocks noChangeAspect="1"/>
+          </p:cNvPicPr>
+          <p:nvPr/>
+        </p:nvPicPr>
+        <p:blipFill>
+          <a:blip r:embed="rId2"/>
+          <a:stretch>
+            <a:fillRect/>
+          </a:stretch>
+        </p:blipFill>
+        <p:spPr>
+          <a:xfrm>
+            <a:off x="6408106" y="3774162"/>
+            <a:ext cx="4400550" cy="1447800"/>
+          </a:xfrm>
+          <a:prstGeom prst="rect">
+            <a:avLst/>
+          </a:prstGeom>
+          <a:ln w="57150">
+            <a:solidFill>
+              <a:srgbClr val="00B050"/>
+            </a:solidFill>
+          </a:ln>
+        </p:spPr>
+      </p:pic>
+      <p:sp>
+        <p:nvSpPr>
+          <p:cNvPr id="14" name="TextBox 13">
+            <a:extLst>
+              <a:ext uri="{FF2B5EF4-FFF2-40B4-BE49-F238E27FC236}">
+                <a16:creationId xmlns:a16="http://schemas.microsoft.com/office/drawing/2014/main" id="{EE5C5120-805C-4270-96C6-22AEF68F7E71}"/>
+              </a:ext>
+            </a:extLst>
+          </p:cNvPr>
+          <p:cNvSpPr txBox="1"/>
+          <p:nvPr/>
+        </p:nvSpPr>
+        <p:spPr>
+          <a:xfrm>
+            <a:off x="5481961" y="5443157"/>
+            <a:ext cx="6098958" cy="923330"/>
+          </a:xfrm>
+          <a:prstGeom prst="rect">
+            <a:avLst/>
+          </a:prstGeom>
+          <a:noFill/>
+          <a:ln w="57150">
+            <a:solidFill>
+              <a:srgbClr val="00B050"/>
+            </a:solidFill>
+          </a:ln>
+        </p:spPr>
+        <p:txBody>
+          <a:bodyPr wrap="square">
+            <a:spAutoFit/>
+          </a:bodyPr>
+          <a:lstStyle/>
+          <a:p>
+            <a:r>
+              <a:rPr lang="en-US" dirty="0">
+                <a:latin typeface="Segoe UI" panose="020B0502040204020203" pitchFamily="34" charset="0"/>
+                <a:cs typeface="Segoe UI" panose="020B0502040204020203" pitchFamily="34" charset="0"/>
+              </a:rPr>
+              <a:t>Change the background color of the &lt;body&gt; element to "</a:t>
+            </a:r>
+            <a:r>
+              <a:rPr lang="en-US" dirty="0" err="1">
+                <a:latin typeface="Segoe UI" panose="020B0502040204020203" pitchFamily="34" charset="0"/>
+                <a:cs typeface="Segoe UI" panose="020B0502040204020203" pitchFamily="34" charset="0"/>
+              </a:rPr>
+              <a:t>lightblue</a:t>
+            </a:r>
+            <a:r>
+              <a:rPr lang="en-US" dirty="0">
+                <a:latin typeface="Segoe UI" panose="020B0502040204020203" pitchFamily="34" charset="0"/>
+                <a:cs typeface="Segoe UI" panose="020B0502040204020203" pitchFamily="34" charset="0"/>
+              </a:rPr>
+              <a:t>" when the browser window is 600px wide or less:</a:t>
+            </a:r>
+          </a:p>
+        </p:txBody>
+      </p:sp>
+    </p:spTree>
+    <p:extLst>
+      <p:ext uri="{BB962C8B-B14F-4D97-AF65-F5344CB8AC3E}">
+        <p14:creationId xmlns:p14="http://schemas.microsoft.com/office/powerpoint/2010/main" val="1056896627"/>
+      </p:ext>
+    </p:extLst>
+  </p:cSld>
+  <p:clrMapOvr>
+    <a:masterClrMapping/>
+  </p:clrMapOvr>
+</p:sld>
+</file>
+
+<file path=ppt/slides/slide11.xml><?xml version="1.0" encoding="utf-8"?>
+<p:sld xmlns:a="http://schemas.openxmlformats.org/drawingml/2006/main" xmlns:r="http://schemas.openxmlformats.org/officeDocument/2006/relationships" xmlns:p="http://schemas.openxmlformats.org/presentationml/2006/main">
+  <p:cSld>
+    <p:spTree>
+      <p:nvGrpSpPr>
+        <p:cNvPr id="1" name=""/>
+        <p:cNvGrpSpPr/>
+        <p:nvPr/>
+      </p:nvGrpSpPr>
+      <p:grpSpPr>
+        <a:xfrm>
+          <a:off x="0" y="0"/>
+          <a:ext cx="0" cy="0"/>
+          <a:chOff x="0" y="0"/>
+          <a:chExt cx="0" cy="0"/>
+        </a:xfrm>
+      </p:grpSpPr>
+      <p:sp>
+        <p:nvSpPr>
+          <p:cNvPr id="2" name="Title 1">
+            <a:extLst>
+              <a:ext uri="{FF2B5EF4-FFF2-40B4-BE49-F238E27FC236}">
+                <a16:creationId xmlns:a16="http://schemas.microsoft.com/office/drawing/2014/main" id="{2D4E4121-CDC8-41BA-846E-58655BA90FCF}"/>
+              </a:ext>
+            </a:extLst>
+          </p:cNvPr>
+          <p:cNvSpPr>
+            <a:spLocks noGrp="1"/>
+          </p:cNvSpPr>
+          <p:nvPr>
+            <p:ph type="ctrTitle"/>
+          </p:nvPr>
+        </p:nvSpPr>
+        <p:spPr>
+          <a:xfrm>
+            <a:off x="1154321" y="375999"/>
+            <a:ext cx="7766936" cy="970133"/>
+          </a:xfrm>
+        </p:spPr>
+        <p:txBody>
+          <a:bodyPr/>
+          <a:lstStyle/>
+          <a:p>
+            <a:pPr algn="l"/>
+            <a:r>
+              <a:rPr lang="en-US" sz="4800" b="1" dirty="0">
+                <a:solidFill>
+                  <a:schemeClr val="tx1">
+                    <a:lumMod val="75000"/>
+                    <a:lumOff val="25000"/>
+                  </a:schemeClr>
+                </a:solidFill>
+                <a:latin typeface="Segoe UI" panose="020B0502040204020203" pitchFamily="34" charset="0"/>
+                <a:cs typeface="Segoe UI" panose="020B0502040204020203" pitchFamily="34" charset="0"/>
+              </a:rPr>
+              <a:t>CSS</a:t>
+            </a:r>
+            <a:r>
+              <a:rPr lang="en-US" sz="4800" dirty="0">
+                <a:solidFill>
+                  <a:schemeClr val="tx1">
+                    <a:lumMod val="75000"/>
+                    <a:lumOff val="25000"/>
+                  </a:schemeClr>
+                </a:solidFill>
+                <a:latin typeface="Segoe UI" panose="020B0502040204020203" pitchFamily="34" charset="0"/>
+                <a:cs typeface="Segoe UI" panose="020B0502040204020203" pitchFamily="34" charset="0"/>
+              </a:rPr>
+              <a:t> | at-Rules (@-Rules)</a:t>
+            </a:r>
+            <a:endParaRPr lang="en-US" sz="1600" b="1" dirty="0">
+              <a:solidFill>
+                <a:schemeClr val="tx1">
+                  <a:lumMod val="75000"/>
+                  <a:lumOff val="25000"/>
+                </a:schemeClr>
+              </a:solidFill>
+              <a:latin typeface="Segoe UI" panose="020B0502040204020203" pitchFamily="34" charset="0"/>
+              <a:cs typeface="Segoe UI" panose="020B0502040204020203" pitchFamily="34" charset="0"/>
+            </a:endParaRPr>
+          </a:p>
+        </p:txBody>
+      </p:sp>
+      <p:sp>
+        <p:nvSpPr>
+          <p:cNvPr id="15" name="TextBox 14">
+            <a:extLst>
+              <a:ext uri="{FF2B5EF4-FFF2-40B4-BE49-F238E27FC236}">
+                <a16:creationId xmlns:a16="http://schemas.microsoft.com/office/drawing/2014/main" id="{1C1B7C8E-FB6F-42B0-B676-EDA93A943FBA}"/>
+              </a:ext>
+            </a:extLst>
+          </p:cNvPr>
+          <p:cNvSpPr txBox="1"/>
+          <p:nvPr/>
+        </p:nvSpPr>
+        <p:spPr>
+          <a:xfrm>
+            <a:off x="1154321" y="1414843"/>
+            <a:ext cx="9214797" cy="1477328"/>
+          </a:xfrm>
+          <a:prstGeom prst="rect">
+            <a:avLst/>
+          </a:prstGeom>
+          <a:noFill/>
+        </p:spPr>
+        <p:txBody>
+          <a:bodyPr wrap="square">
+            <a:spAutoFit/>
+          </a:bodyPr>
+          <a:lstStyle/>
+          <a:p>
+            <a:r>
+              <a:rPr lang="en-US" dirty="0">
+                <a:latin typeface="Segoe UI" panose="020B0502040204020203" pitchFamily="34" charset="0"/>
+                <a:cs typeface="Segoe UI" panose="020B0502040204020203" pitchFamily="34" charset="0"/>
+              </a:rPr>
+              <a:t>The at-rule is a statement that provides CSS with instructions to perform or how to behave.</a:t>
+            </a:r>
+          </a:p>
+          <a:p>
+            <a:endParaRPr lang="en-US" dirty="0">
+              <a:latin typeface="Segoe UI" panose="020B0502040204020203" pitchFamily="34" charset="0"/>
+              <a:cs typeface="Segoe UI" panose="020B0502040204020203" pitchFamily="34" charset="0"/>
+            </a:endParaRPr>
+          </a:p>
+          <a:p>
+            <a:r>
+              <a:rPr lang="en-US" dirty="0">
+                <a:latin typeface="Segoe UI" panose="020B0502040204020203" pitchFamily="34" charset="0"/>
+                <a:cs typeface="Segoe UI" panose="020B0502040204020203" pitchFamily="34" charset="0"/>
+              </a:rPr>
+              <a:t>Each statement begins with an @ followed directly by one of several available keywords that acts as the identifier for what CSS should do. </a:t>
+            </a:r>
+          </a:p>
+        </p:txBody>
+      </p:sp>
+      <p:pic>
+        <p:nvPicPr>
+          <p:cNvPr id="5" name="Picture 4">
+            <a:extLst>
+              <a:ext uri="{FF2B5EF4-FFF2-40B4-BE49-F238E27FC236}">
+                <a16:creationId xmlns:a16="http://schemas.microsoft.com/office/drawing/2014/main" id="{42D19B84-55FC-44DB-B93A-7B393E467CAE}"/>
+              </a:ext>
+            </a:extLst>
+          </p:cNvPr>
+          <p:cNvPicPr>
+            <a:picLocks noChangeAspect="1"/>
+          </p:cNvPicPr>
+          <p:nvPr/>
+        </p:nvPicPr>
+        <p:blipFill>
+          <a:blip r:embed="rId2"/>
+          <a:stretch>
+            <a:fillRect/>
+          </a:stretch>
+        </p:blipFill>
+        <p:spPr>
+          <a:xfrm>
+            <a:off x="1154321" y="3965830"/>
+            <a:ext cx="2190750" cy="476250"/>
+          </a:xfrm>
+          <a:prstGeom prst="rect">
+            <a:avLst/>
+          </a:prstGeom>
+          <a:ln w="57150">
+            <a:solidFill>
+              <a:srgbClr val="00B050"/>
+            </a:solidFill>
+          </a:ln>
+        </p:spPr>
+      </p:pic>
+      <p:sp>
+        <p:nvSpPr>
+          <p:cNvPr id="7" name="TextBox 6">
+            <a:extLst>
+              <a:ext uri="{FF2B5EF4-FFF2-40B4-BE49-F238E27FC236}">
+                <a16:creationId xmlns:a16="http://schemas.microsoft.com/office/drawing/2014/main" id="{FBFFD50F-EAA7-4120-B11A-A34A2423EEFB}"/>
+              </a:ext>
+            </a:extLst>
+          </p:cNvPr>
+          <p:cNvSpPr txBox="1"/>
+          <p:nvPr/>
+        </p:nvSpPr>
+        <p:spPr>
+          <a:xfrm>
+            <a:off x="1123841" y="3429000"/>
+            <a:ext cx="2190750" cy="369332"/>
+          </a:xfrm>
+          <a:prstGeom prst="rect">
+            <a:avLst/>
+          </a:prstGeom>
+          <a:noFill/>
+          <a:ln w="57150">
+            <a:solidFill>
+              <a:srgbClr val="00B050"/>
+            </a:solidFill>
+          </a:ln>
+        </p:spPr>
+        <p:txBody>
+          <a:bodyPr wrap="square" rtlCol="0">
+            <a:spAutoFit/>
+          </a:bodyPr>
+          <a:lstStyle/>
+          <a:p>
+            <a:r>
+              <a:rPr lang="en-US" b="1" dirty="0"/>
+              <a:t>Regular Rule</a:t>
+            </a:r>
+          </a:p>
+        </p:txBody>
+      </p:sp>
+      <p:sp>
+        <p:nvSpPr>
+          <p:cNvPr id="12" name="TextBox 11">
+            <a:extLst>
+              <a:ext uri="{FF2B5EF4-FFF2-40B4-BE49-F238E27FC236}">
+                <a16:creationId xmlns:a16="http://schemas.microsoft.com/office/drawing/2014/main" id="{A5EAEC3E-7006-4D9B-8CEC-25AB786B6BD6}"/>
+              </a:ext>
+            </a:extLst>
+          </p:cNvPr>
+          <p:cNvSpPr txBox="1"/>
+          <p:nvPr/>
+        </p:nvSpPr>
+        <p:spPr>
+          <a:xfrm>
+            <a:off x="5037789" y="3429000"/>
+            <a:ext cx="2190750" cy="369332"/>
+          </a:xfrm>
+          <a:prstGeom prst="rect">
+            <a:avLst/>
+          </a:prstGeom>
+          <a:noFill/>
+          <a:ln w="57150">
+            <a:solidFill>
+              <a:srgbClr val="FFC000"/>
+            </a:solidFill>
+          </a:ln>
+        </p:spPr>
+        <p:txBody>
+          <a:bodyPr wrap="square" rtlCol="0">
+            <a:spAutoFit/>
+          </a:bodyPr>
+          <a:lstStyle/>
+          <a:p>
+            <a:r>
+              <a:rPr lang="en-US" b="1" dirty="0"/>
+              <a:t>Nested Rule</a:t>
+            </a:r>
+          </a:p>
+        </p:txBody>
+      </p:sp>
+      <p:pic>
+        <p:nvPicPr>
+          <p:cNvPr id="9" name="Picture 8">
+            <a:extLst>
+              <a:ext uri="{FF2B5EF4-FFF2-40B4-BE49-F238E27FC236}">
+                <a16:creationId xmlns:a16="http://schemas.microsoft.com/office/drawing/2014/main" id="{40770F1E-C3A1-4906-8F7E-C530B9140F94}"/>
+              </a:ext>
+            </a:extLst>
+          </p:cNvPr>
+          <p:cNvPicPr>
+            <a:picLocks noChangeAspect="1"/>
+          </p:cNvPicPr>
+          <p:nvPr/>
+        </p:nvPicPr>
+        <p:blipFill>
+          <a:blip r:embed="rId3"/>
+          <a:stretch>
+            <a:fillRect/>
+          </a:stretch>
+        </p:blipFill>
+        <p:spPr>
+          <a:xfrm>
+            <a:off x="5037789" y="3937255"/>
+            <a:ext cx="2752725" cy="1009650"/>
+          </a:xfrm>
+          <a:prstGeom prst="rect">
+            <a:avLst/>
+          </a:prstGeom>
+          <a:ln w="57150">
+            <a:solidFill>
+              <a:srgbClr val="FFC000"/>
+            </a:solidFill>
+          </a:ln>
+        </p:spPr>
+      </p:pic>
+      <p:pic>
+        <p:nvPicPr>
+          <p:cNvPr id="16" name="Picture 15">
+            <a:extLst>
+              <a:ext uri="{FF2B5EF4-FFF2-40B4-BE49-F238E27FC236}">
+                <a16:creationId xmlns:a16="http://schemas.microsoft.com/office/drawing/2014/main" id="{5D4B0160-7EE0-4FBF-8C12-0912AF8DBAB7}"/>
+              </a:ext>
+            </a:extLst>
+          </p:cNvPr>
+          <p:cNvPicPr>
+            <a:picLocks noChangeAspect="1"/>
+          </p:cNvPicPr>
+          <p:nvPr/>
+        </p:nvPicPr>
+        <p:blipFill>
+          <a:blip r:embed="rId4"/>
+          <a:stretch>
+            <a:fillRect/>
+          </a:stretch>
+        </p:blipFill>
+        <p:spPr>
+          <a:xfrm>
+            <a:off x="1154321" y="4609578"/>
+            <a:ext cx="2143125" cy="561975"/>
+          </a:xfrm>
+          <a:prstGeom prst="rect">
+            <a:avLst/>
+          </a:prstGeom>
+          <a:ln w="57150">
+            <a:solidFill>
+              <a:srgbClr val="00B050"/>
+            </a:solidFill>
+          </a:ln>
+        </p:spPr>
+      </p:pic>
+      <p:pic>
+        <p:nvPicPr>
+          <p:cNvPr id="18" name="Picture 17">
+            <a:extLst>
+              <a:ext uri="{FF2B5EF4-FFF2-40B4-BE49-F238E27FC236}">
+                <a16:creationId xmlns:a16="http://schemas.microsoft.com/office/drawing/2014/main" id="{B7BF890F-0E41-440D-92DE-F96CD4E572A9}"/>
+              </a:ext>
+            </a:extLst>
+          </p:cNvPr>
+          <p:cNvPicPr>
+            <a:picLocks noChangeAspect="1"/>
+          </p:cNvPicPr>
+          <p:nvPr/>
+        </p:nvPicPr>
+        <p:blipFill>
+          <a:blip r:embed="rId5"/>
+          <a:stretch>
+            <a:fillRect/>
+          </a:stretch>
+        </p:blipFill>
+        <p:spPr>
+          <a:xfrm>
+            <a:off x="5037789" y="5084063"/>
+            <a:ext cx="4848225" cy="1666875"/>
+          </a:xfrm>
+          <a:prstGeom prst="rect">
+            <a:avLst/>
+          </a:prstGeom>
+          <a:ln w="57150">
+            <a:solidFill>
+              <a:srgbClr val="FFC000"/>
+            </a:solidFill>
+          </a:ln>
+        </p:spPr>
+      </p:pic>
+    </p:spTree>
+    <p:extLst>
+      <p:ext uri="{BB962C8B-B14F-4D97-AF65-F5344CB8AC3E}">
+        <p14:creationId xmlns:p14="http://schemas.microsoft.com/office/powerpoint/2010/main" val="688814836"/>
+      </p:ext>
+    </p:extLst>
+  </p:cSld>
+  <p:clrMapOvr>
+    <a:masterClrMapping/>
+  </p:clrMapOvr>
+</p:sld>
+</file>
+
+<file path=ppt/slides/slide12.xml><?xml version="1.0" encoding="utf-8"?>
+<p:sld xmlns:a="http://schemas.openxmlformats.org/drawingml/2006/main" xmlns:r="http://schemas.openxmlformats.org/officeDocument/2006/relationships" xmlns:p="http://schemas.openxmlformats.org/presentationml/2006/main">
+  <p:cSld>
+    <p:spTree>
+      <p:nvGrpSpPr>
+        <p:cNvPr id="1" name=""/>
+        <p:cNvGrpSpPr/>
+        <p:nvPr/>
+      </p:nvGrpSpPr>
+      <p:grpSpPr>
+        <a:xfrm>
+          <a:off x="0" y="0"/>
+          <a:ext cx="0" cy="0"/>
+          <a:chOff x="0" y="0"/>
+          <a:chExt cx="0" cy="0"/>
+        </a:xfrm>
+      </p:grpSpPr>
+      <p:sp>
+        <p:nvSpPr>
+          <p:cNvPr id="2" name="Title 1">
+            <a:extLst>
+              <a:ext uri="{FF2B5EF4-FFF2-40B4-BE49-F238E27FC236}">
+                <a16:creationId xmlns:a16="http://schemas.microsoft.com/office/drawing/2014/main" id="{2D4E4121-CDC8-41BA-846E-58655BA90FCF}"/>
+              </a:ext>
+            </a:extLst>
+          </p:cNvPr>
+          <p:cNvSpPr>
+            <a:spLocks noGrp="1"/>
+          </p:cNvSpPr>
+          <p:nvPr>
+            <p:ph type="ctrTitle"/>
+          </p:nvPr>
+        </p:nvSpPr>
+        <p:spPr>
+          <a:xfrm>
+            <a:off x="1154321" y="375999"/>
+            <a:ext cx="7766936" cy="970133"/>
+          </a:xfrm>
+        </p:spPr>
+        <p:txBody>
+          <a:bodyPr/>
+          <a:lstStyle/>
+          <a:p>
+            <a:pPr algn="l"/>
+            <a:r>
+              <a:rPr lang="en-US" sz="4800" b="1" dirty="0">
+                <a:solidFill>
+                  <a:schemeClr val="tx1">
+                    <a:lumMod val="75000"/>
+                    <a:lumOff val="25000"/>
+                  </a:schemeClr>
+                </a:solidFill>
+                <a:latin typeface="Segoe UI" panose="020B0502040204020203" pitchFamily="34" charset="0"/>
+                <a:cs typeface="Segoe UI" panose="020B0502040204020203" pitchFamily="34" charset="0"/>
+              </a:rPr>
+              <a:t>CSS</a:t>
+            </a:r>
+            <a:r>
+              <a:rPr lang="en-US" sz="4800" dirty="0">
+                <a:solidFill>
+                  <a:schemeClr val="tx1">
+                    <a:lumMod val="75000"/>
+                    <a:lumOff val="25000"/>
+                  </a:schemeClr>
+                </a:solidFill>
+                <a:latin typeface="Segoe UI" panose="020B0502040204020203" pitchFamily="34" charset="0"/>
+                <a:cs typeface="Segoe UI" panose="020B0502040204020203" pitchFamily="34" charset="0"/>
+              </a:rPr>
+              <a:t> | repo</a:t>
+            </a:r>
+            <a:endParaRPr lang="en-US" sz="1600" b="1" dirty="0">
+              <a:solidFill>
+                <a:schemeClr val="tx1">
+                  <a:lumMod val="75000"/>
+                  <a:lumOff val="25000"/>
+                </a:schemeClr>
+              </a:solidFill>
+              <a:latin typeface="Segoe UI" panose="020B0502040204020203" pitchFamily="34" charset="0"/>
+              <a:cs typeface="Segoe UI" panose="020B0502040204020203" pitchFamily="34" charset="0"/>
+            </a:endParaRPr>
+          </a:p>
+        </p:txBody>
+      </p:sp>
+      <p:sp>
+        <p:nvSpPr>
+          <p:cNvPr id="15" name="TextBox 14">
+            <a:extLst>
+              <a:ext uri="{FF2B5EF4-FFF2-40B4-BE49-F238E27FC236}">
+                <a16:creationId xmlns:a16="http://schemas.microsoft.com/office/drawing/2014/main" id="{1C1B7C8E-FB6F-42B0-B676-EDA93A943FBA}"/>
+              </a:ext>
+            </a:extLst>
+          </p:cNvPr>
+          <p:cNvSpPr txBox="1"/>
+          <p:nvPr/>
+        </p:nvSpPr>
+        <p:spPr>
+          <a:xfrm>
+            <a:off x="1154321" y="1832094"/>
+            <a:ext cx="6101080" cy="369332"/>
+          </a:xfrm>
+          <a:prstGeom prst="rect">
+            <a:avLst/>
+          </a:prstGeom>
+          <a:noFill/>
+        </p:spPr>
+        <p:txBody>
+          <a:bodyPr wrap="square">
+            <a:spAutoFit/>
+          </a:bodyPr>
+          <a:lstStyle/>
+          <a:p>
+            <a:r>
+              <a:rPr lang="en-US" dirty="0"/>
+              <a:t>https://github.com/aviezzi/john-doe</a:t>
+            </a:r>
+          </a:p>
+        </p:txBody>
+      </p:sp>
+    </p:spTree>
+    <p:extLst>
+      <p:ext uri="{BB962C8B-B14F-4D97-AF65-F5344CB8AC3E}">
+        <p14:creationId xmlns:p14="http://schemas.microsoft.com/office/powerpoint/2010/main" val="1812819045"/>
+      </p:ext>
+    </p:extLst>
+  </p:cSld>
+  <p:clrMapOvr>
+    <a:masterClrMapping/>
+  </p:clrMapOvr>
+</p:sld>
+</file>
+
 <file path=ppt/slides/slide2.xml><?xml version="1.0" encoding="utf-8"?>
 <p:sld xmlns:a="http://schemas.openxmlformats.org/drawingml/2006/main" xmlns:r="http://schemas.openxmlformats.org/officeDocument/2006/relationships" xmlns:p="http://schemas.openxmlformats.org/presentationml/2006/main">
   <p:cSld>
@@ -8775,7 +9661,7 @@
                 <a:latin typeface="Segoe UI" panose="020B0502040204020203" pitchFamily="34" charset="0"/>
                 <a:cs typeface="Segoe UI" panose="020B0502040204020203" pitchFamily="34" charset="0"/>
               </a:rPr>
-              <a:t> | ::after ::before</a:t>
+              <a:t> | custom fonts </a:t>
             </a:r>
             <a:endParaRPr lang="en-US" sz="1600" b="1" dirty="0">
               <a:solidFill>
@@ -8792,10 +9678,10 @@
       </p:sp>
       <p:sp>
         <p:nvSpPr>
-          <p:cNvPr id="8" name="Rectangle 2">
+          <p:cNvPr id="3" name="Rectangle 1">
             <a:extLst>
               <a:ext uri="{FF2B5EF4-FFF2-40B4-BE49-F238E27FC236}">
-                <a16:creationId xmlns:a16="http://schemas.microsoft.com/office/drawing/2014/main" id="{8610DDF0-5CD6-410C-AEB2-31A5AAAF6CFF}"/>
+                <a16:creationId xmlns:a16="http://schemas.microsoft.com/office/drawing/2014/main" id="{D5E40F3E-FCDD-4522-AE83-3F29C8BA04B7}"/>
               </a:ext>
             </a:extLst>
           </p:cNvPr>
@@ -8806,8 +9692,8 @@
         </p:nvSpPr>
         <p:spPr bwMode="auto">
           <a:xfrm>
-            <a:off x="1154321" y="1297439"/>
-            <a:ext cx="8932958" cy="1200329"/>
+            <a:off x="1082815" y="2560676"/>
+            <a:ext cx="4100290" cy="1569660"/>
           </a:xfrm>
           <a:prstGeom prst="rect">
             <a:avLst/>
@@ -8855,7 +9741,7 @@
           </a:bodyPr>
           <a:lstStyle/>
           <a:p>
-            <a:pPr marL="0" marR="0" lvl="0" indent="0" algn="l" defTabSz="914400" rtl="0" eaLnBrk="0" fontAlgn="base" latinLnBrk="0" hangingPunct="0">
+            <a:pPr marL="342900" marR="0" lvl="0" indent="-342900" algn="l" defTabSz="914400" rtl="0" eaLnBrk="0" fontAlgn="base" latinLnBrk="0" hangingPunct="0">
               <a:lnSpc>
                 <a:spcPct val="100000"/>
               </a:lnSpc>
@@ -8867,128 +9753,20 @@
               </a:spcAft>
               <a:buClrTx/>
               <a:buSzTx/>
-              <a:buFontTx/>
-              <a:buNone/>
+              <a:buFont typeface="+mj-lt"/>
+              <a:buAutoNum type="arabicPeriod"/>
               <a:tabLst/>
             </a:pPr>
             <a:r>
-              <a:rPr kumimoji="0" lang="en-US" altLang="en-US" b="0" i="0" u="none" strike="noStrike" cap="none" normalizeH="0" baseline="0" dirty="0">
-                <a:ln>
-                  <a:noFill/>
-                </a:ln>
-                <a:solidFill>
-                  <a:schemeClr val="tx1"/>
-                </a:solidFill>
-                <a:effectLst/>
+              <a:rPr lang="en-US" sz="1600" dirty="0">
                 <a:latin typeface="Segoe UI" panose="020B0502040204020203" pitchFamily="34" charset="0"/>
                 <a:cs typeface="Segoe UI" panose="020B0502040204020203" pitchFamily="34" charset="0"/>
               </a:rPr>
-              <a:t>The </a:t>
-            </a:r>
-            <a:r>
-              <a:rPr kumimoji="0" lang="en-US" altLang="en-US" b="1" i="0" u="none" strike="noStrike" cap="none" normalizeH="0" baseline="0" dirty="0">
-                <a:ln>
-                  <a:noFill/>
-                </a:ln>
-                <a:solidFill>
-                  <a:schemeClr val="tx1"/>
-                </a:solidFill>
-                <a:effectLst/>
-                <a:latin typeface="Segoe UI" panose="020B0502040204020203" pitchFamily="34" charset="0"/>
-                <a:cs typeface="Segoe UI" panose="020B0502040204020203" pitchFamily="34" charset="0"/>
-              </a:rPr>
-              <a:t>::after </a:t>
-            </a:r>
-            <a:r>
-              <a:rPr kumimoji="0" lang="en-US" altLang="en-US" b="0" i="0" u="none" strike="noStrike" cap="none" normalizeH="0" baseline="0" dirty="0">
-                <a:ln>
-                  <a:noFill/>
-                </a:ln>
-                <a:solidFill>
-                  <a:schemeClr val="tx1"/>
-                </a:solidFill>
-                <a:effectLst/>
-                <a:latin typeface="Segoe UI" panose="020B0502040204020203" pitchFamily="34" charset="0"/>
-                <a:cs typeface="Segoe UI" panose="020B0502040204020203" pitchFamily="34" charset="0"/>
-              </a:rPr>
-              <a:t>selector inserts something after the content of each selected element(s).</a:t>
-            </a:r>
-          </a:p>
-          <a:p>
-            <a:pPr defTabSz="914400" eaLnBrk="0" fontAlgn="base" hangingPunct="0">
-              <a:spcBef>
-                <a:spcPct val="0"/>
-              </a:spcBef>
-              <a:spcAft>
-                <a:spcPct val="0"/>
-              </a:spcAft>
-            </a:pPr>
-            <a:r>
-              <a:rPr kumimoji="0" lang="en-US" altLang="en-US" b="0" i="0" u="none" strike="noStrike" cap="none" normalizeH="0" baseline="0" dirty="0">
-                <a:ln>
-                  <a:noFill/>
-                </a:ln>
-                <a:solidFill>
-                  <a:schemeClr val="tx1"/>
-                </a:solidFill>
-                <a:effectLst/>
-                <a:latin typeface="Segoe UI" panose="020B0502040204020203" pitchFamily="34" charset="0"/>
-                <a:cs typeface="Segoe UI" panose="020B0502040204020203" pitchFamily="34" charset="0"/>
-              </a:rPr>
-              <a:t>The </a:t>
-            </a:r>
-            <a:r>
-              <a:rPr kumimoji="0" lang="en-US" altLang="en-US" b="1" i="0" u="none" strike="noStrike" cap="none" normalizeH="0" baseline="0" dirty="0">
-                <a:ln>
-                  <a:noFill/>
-                </a:ln>
-                <a:solidFill>
-                  <a:schemeClr val="tx1"/>
-                </a:solidFill>
-                <a:effectLst/>
-                <a:latin typeface="Segoe UI" panose="020B0502040204020203" pitchFamily="34" charset="0"/>
-                <a:cs typeface="Segoe UI" panose="020B0502040204020203" pitchFamily="34" charset="0"/>
-              </a:rPr>
-              <a:t>::</a:t>
-            </a:r>
-            <a:r>
-              <a:rPr lang="en-US" altLang="en-US" b="1" dirty="0">
-                <a:latin typeface="Segoe UI" panose="020B0502040204020203" pitchFamily="34" charset="0"/>
-                <a:cs typeface="Segoe UI" panose="020B0502040204020203" pitchFamily="34" charset="0"/>
-              </a:rPr>
-              <a:t>b</a:t>
-            </a:r>
-            <a:r>
-              <a:rPr kumimoji="0" lang="en-US" altLang="en-US" b="1" i="0" u="none" strike="noStrike" cap="none" normalizeH="0" baseline="0" dirty="0">
-                <a:ln>
-                  <a:noFill/>
-                </a:ln>
-                <a:solidFill>
-                  <a:schemeClr val="tx1"/>
-                </a:solidFill>
-                <a:effectLst/>
-                <a:latin typeface="Segoe UI" panose="020B0502040204020203" pitchFamily="34" charset="0"/>
-                <a:cs typeface="Segoe UI" panose="020B0502040204020203" pitchFamily="34" charset="0"/>
-              </a:rPr>
-              <a:t>efore </a:t>
-            </a:r>
-            <a:r>
-              <a:rPr kumimoji="0" lang="en-US" altLang="en-US" b="0" i="0" u="none" strike="noStrike" cap="none" normalizeH="0" baseline="0" dirty="0">
-                <a:ln>
-                  <a:noFill/>
-                </a:ln>
-                <a:solidFill>
-                  <a:schemeClr val="tx1"/>
-                </a:solidFill>
-                <a:effectLst/>
-                <a:latin typeface="Segoe UI" panose="020B0502040204020203" pitchFamily="34" charset="0"/>
-                <a:cs typeface="Segoe UI" panose="020B0502040204020203" pitchFamily="34" charset="0"/>
-              </a:rPr>
-              <a:t>selector inserts something before the content of each selected element(s).</a:t>
-            </a:r>
-          </a:p>
-          <a:p>
-            <a:pPr marL="0" marR="0" lvl="0" indent="0" algn="l" defTabSz="914400" rtl="0" eaLnBrk="0" fontAlgn="base" latinLnBrk="0" hangingPunct="0">
+              <a:t>TrueType Fonts (TTF)</a:t>
+            </a:r>
+          </a:p>
+          <a:p>
+            <a:pPr marL="342900" marR="0" lvl="0" indent="-342900" algn="l" defTabSz="914400" rtl="0" eaLnBrk="0" fontAlgn="base" latinLnBrk="0" hangingPunct="0">
               <a:lnSpc>
                 <a:spcPct val="100000"/>
               </a:lnSpc>
@@ -9000,24 +9778,20 @@
               </a:spcAft>
               <a:buClrTx/>
               <a:buSzTx/>
-              <a:buFontTx/>
-              <a:buNone/>
+              <a:buFont typeface="+mj-lt"/>
+              <a:buAutoNum type="arabicPeriod"/>
               <a:tabLst/>
             </a:pPr>
-            <a:endParaRPr kumimoji="0" lang="en-US" altLang="en-US" b="0" i="0" u="none" strike="noStrike" cap="none" normalizeH="0" baseline="0" dirty="0">
-              <a:ln>
-                <a:noFill/>
-              </a:ln>
-              <a:solidFill>
-                <a:schemeClr val="tx1"/>
-              </a:solidFill>
-              <a:effectLst/>
-              <a:latin typeface="Segoe UI" panose="020B0502040204020203" pitchFamily="34" charset="0"/>
-              <a:cs typeface="Segoe UI" panose="020B0502040204020203" pitchFamily="34" charset="0"/>
-            </a:endParaRPr>
-          </a:p>
-          <a:p>
-            <a:pPr marL="0" marR="0" lvl="0" indent="0" algn="l" defTabSz="914400" rtl="0" eaLnBrk="0" fontAlgn="base" latinLnBrk="0" hangingPunct="0">
+            <a:r>
+              <a:rPr lang="en-US" sz="1600" dirty="0">
+                <a:latin typeface="Segoe UI" panose="020B0502040204020203" pitchFamily="34" charset="0"/>
+                <a:cs typeface="Segoe UI" panose="020B0502040204020203" pitchFamily="34" charset="0"/>
+              </a:rPr>
+              <a:t>OpenType Fonts (OTF)</a:t>
+            </a:r>
+          </a:p>
+          <a:p>
+            <a:pPr marL="342900" marR="0" lvl="0" indent="-342900" algn="l" defTabSz="914400" rtl="0" eaLnBrk="0" fontAlgn="base" latinLnBrk="0" hangingPunct="0">
               <a:lnSpc>
                 <a:spcPct val="100000"/>
               </a:lnSpc>
@@ -9029,152 +9803,130 @@
               </a:spcAft>
               <a:buClrTx/>
               <a:buSzTx/>
-              <a:buFontTx/>
-              <a:buNone/>
+              <a:buFont typeface="+mj-lt"/>
+              <a:buAutoNum type="arabicPeriod"/>
               <a:tabLst/>
             </a:pPr>
             <a:r>
-              <a:rPr kumimoji="0" lang="en-US" altLang="en-US" b="0" i="0" u="none" strike="noStrike" cap="none" normalizeH="0" baseline="0" dirty="0">
-                <a:ln>
-                  <a:noFill/>
-                </a:ln>
-                <a:solidFill>
-                  <a:schemeClr val="tx1"/>
-                </a:solidFill>
-                <a:effectLst/>
+              <a:rPr lang="en-US" sz="1600" dirty="0">
                 <a:latin typeface="Segoe UI" panose="020B0502040204020203" pitchFamily="34" charset="0"/>
                 <a:cs typeface="Segoe UI" panose="020B0502040204020203" pitchFamily="34" charset="0"/>
               </a:rPr>
-              <a:t>Use the </a:t>
-            </a:r>
-            <a:r>
-              <a:rPr kumimoji="0" lang="en-US" altLang="en-US" b="1" i="0" u="none" strike="noStrike" cap="none" normalizeH="0" baseline="0" dirty="0">
-                <a:ln>
-                  <a:noFill/>
-                </a:ln>
-                <a:solidFill>
-                  <a:schemeClr val="tx1"/>
-                </a:solidFill>
-                <a:effectLst/>
+              <a:t>The Web Open Font Format (WOFF)</a:t>
+            </a:r>
+          </a:p>
+          <a:p>
+            <a:pPr marL="342900" marR="0" lvl="0" indent="-342900" algn="l" defTabSz="914400" rtl="0" eaLnBrk="0" fontAlgn="base" latinLnBrk="0" hangingPunct="0">
+              <a:lnSpc>
+                <a:spcPct val="100000"/>
+              </a:lnSpc>
+              <a:spcBef>
+                <a:spcPct val="0"/>
+              </a:spcBef>
+              <a:spcAft>
+                <a:spcPct val="0"/>
+              </a:spcAft>
+              <a:buClrTx/>
+              <a:buSzTx/>
+              <a:buFont typeface="+mj-lt"/>
+              <a:buAutoNum type="arabicPeriod"/>
+              <a:tabLst/>
+            </a:pPr>
+            <a:r>
+              <a:rPr lang="en-US" sz="1600" dirty="0">
                 <a:latin typeface="Segoe UI" panose="020B0502040204020203" pitchFamily="34" charset="0"/>
                 <a:cs typeface="Segoe UI" panose="020B0502040204020203" pitchFamily="34" charset="0"/>
               </a:rPr>
-              <a:t>content</a:t>
-            </a:r>
-            <a:r>
-              <a:rPr kumimoji="0" lang="en-US" altLang="en-US" b="0" i="0" u="none" strike="noStrike" cap="none" normalizeH="0" baseline="0" dirty="0">
-                <a:ln>
-                  <a:noFill/>
-                </a:ln>
-                <a:solidFill>
-                  <a:schemeClr val="tx1"/>
-                </a:solidFill>
-                <a:effectLst/>
+              <a:t>The Web Open Font Format (WOFF 2.0)</a:t>
+            </a:r>
+          </a:p>
+          <a:p>
+            <a:pPr marL="342900" marR="0" lvl="0" indent="-342900" algn="l" defTabSz="914400" rtl="0" eaLnBrk="0" fontAlgn="base" latinLnBrk="0" hangingPunct="0">
+              <a:lnSpc>
+                <a:spcPct val="100000"/>
+              </a:lnSpc>
+              <a:spcBef>
+                <a:spcPct val="0"/>
+              </a:spcBef>
+              <a:spcAft>
+                <a:spcPct val="0"/>
+              </a:spcAft>
+              <a:buClrTx/>
+              <a:buSzTx/>
+              <a:buFont typeface="+mj-lt"/>
+              <a:buAutoNum type="arabicPeriod"/>
+              <a:tabLst/>
+            </a:pPr>
+            <a:r>
+              <a:rPr lang="en-US" sz="1600" dirty="0">
                 <a:latin typeface="Segoe UI" panose="020B0502040204020203" pitchFamily="34" charset="0"/>
                 <a:cs typeface="Segoe UI" panose="020B0502040204020203" pitchFamily="34" charset="0"/>
               </a:rPr>
-              <a:t> property to specify the content to insert.</a:t>
-            </a:r>
-          </a:p>
-        </p:txBody>
-      </p:sp>
-      <p:pic>
-        <p:nvPicPr>
-          <p:cNvPr id="11" name="Picture 10">
+              <a:t>SVG Fonts/Shapes</a:t>
+            </a:r>
+          </a:p>
+          <a:p>
+            <a:pPr marL="342900" marR="0" lvl="0" indent="-342900" algn="l" defTabSz="914400" rtl="0" eaLnBrk="0" fontAlgn="base" latinLnBrk="0" hangingPunct="0">
+              <a:lnSpc>
+                <a:spcPct val="100000"/>
+              </a:lnSpc>
+              <a:spcBef>
+                <a:spcPct val="0"/>
+              </a:spcBef>
+              <a:spcAft>
+                <a:spcPct val="0"/>
+              </a:spcAft>
+              <a:buClrTx/>
+              <a:buSzTx/>
+              <a:buFont typeface="+mj-lt"/>
+              <a:buAutoNum type="arabicPeriod"/>
+              <a:tabLst/>
+            </a:pPr>
+            <a:r>
+              <a:rPr lang="en-US" sz="1600" dirty="0">
+                <a:latin typeface="Segoe UI" panose="020B0502040204020203" pitchFamily="34" charset="0"/>
+                <a:cs typeface="Segoe UI" panose="020B0502040204020203" pitchFamily="34" charset="0"/>
+              </a:rPr>
+              <a:t>Embedded OpenType Fonts (EOT)</a:t>
+            </a:r>
+            <a:endParaRPr kumimoji="0" lang="en-US" altLang="en-US" sz="1600" i="0" u="none" strike="noStrike" cap="none" normalizeH="0" baseline="0" dirty="0">
+              <a:ln>
+                <a:noFill/>
+              </a:ln>
+              <a:solidFill>
+                <a:schemeClr val="tx1"/>
+              </a:solidFill>
+              <a:effectLst/>
+              <a:latin typeface="Segoe UI" panose="020B0502040204020203" pitchFamily="34" charset="0"/>
+              <a:cs typeface="Segoe UI" panose="020B0502040204020203" pitchFamily="34" charset="0"/>
+            </a:endParaRPr>
+          </a:p>
+        </p:txBody>
+      </p:sp>
+      <p:sp>
+        <p:nvSpPr>
+          <p:cNvPr id="14" name="TextBox 13">
             <a:extLst>
               <a:ext uri="{FF2B5EF4-FFF2-40B4-BE49-F238E27FC236}">
-                <a16:creationId xmlns:a16="http://schemas.microsoft.com/office/drawing/2014/main" id="{20C9A7A7-FE31-4022-9647-1C83C0F3E64E}"/>
+                <a16:creationId xmlns:a16="http://schemas.microsoft.com/office/drawing/2014/main" id="{858A2BD0-56B5-4DA1-B3ED-824BC464E8A4}"/>
               </a:ext>
             </a:extLst>
           </p:cNvPr>
-          <p:cNvPicPr>
-            <a:picLocks noChangeAspect="1"/>
-          </p:cNvPicPr>
+          <p:cNvSpPr txBox="1"/>
           <p:nvPr/>
-        </p:nvPicPr>
-        <p:blipFill>
-          <a:blip r:embed="rId2"/>
-          <a:stretch>
-            <a:fillRect/>
-          </a:stretch>
-        </p:blipFill>
-        <p:spPr>
-          <a:xfrm>
-            <a:off x="1296364" y="4360233"/>
-            <a:ext cx="3162300" cy="1676400"/>
-          </a:xfrm>
-          <a:prstGeom prst="rect">
-            <a:avLst/>
-          </a:prstGeom>
-          <a:ln w="57150">
-            <a:solidFill>
-              <a:srgbClr val="0070C0"/>
-            </a:solidFill>
-          </a:ln>
-        </p:spPr>
-      </p:pic>
-      <p:pic>
-        <p:nvPicPr>
-          <p:cNvPr id="14" name="Picture 13">
-            <a:extLst>
-              <a:ext uri="{FF2B5EF4-FFF2-40B4-BE49-F238E27FC236}">
-                <a16:creationId xmlns:a16="http://schemas.microsoft.com/office/drawing/2014/main" id="{03A94252-DF59-401B-A72E-01606EF77870}"/>
-              </a:ext>
-            </a:extLst>
-          </p:cNvPr>
-          <p:cNvPicPr>
-            <a:picLocks noChangeAspect="1"/>
-          </p:cNvPicPr>
-          <p:nvPr/>
-        </p:nvPicPr>
-        <p:blipFill>
-          <a:blip r:embed="rId3"/>
-          <a:stretch>
-            <a:fillRect/>
-          </a:stretch>
-        </p:blipFill>
-        <p:spPr>
-          <a:xfrm>
-            <a:off x="6338150" y="5055557"/>
-            <a:ext cx="3019425" cy="285750"/>
+        </p:nvSpPr>
+        <p:spPr>
+          <a:xfrm>
+            <a:off x="1082815" y="5862497"/>
+            <a:ext cx="4243302" cy="461665"/>
           </a:xfrm>
           <a:prstGeom prst="rect">
             <a:avLst/>
           </a:prstGeom>
           <a:solidFill>
-            <a:srgbClr val="0070C0"/>
+            <a:schemeClr val="accent2"/>
           </a:solidFill>
           <a:ln w="57150">
-            <a:solidFill>
-              <a:srgbClr val="0070C0"/>
-            </a:solidFill>
-          </a:ln>
-        </p:spPr>
-      </p:pic>
-      <p:sp>
-        <p:nvSpPr>
-          <p:cNvPr id="15" name="Arrow: Right 14">
-            <a:extLst>
-              <a:ext uri="{FF2B5EF4-FFF2-40B4-BE49-F238E27FC236}">
-                <a16:creationId xmlns:a16="http://schemas.microsoft.com/office/drawing/2014/main" id="{E80CEBF0-CF99-43B8-B2A8-8E76AD1599DD}"/>
-              </a:ext>
-            </a:extLst>
-          </p:cNvPr>
-          <p:cNvSpPr/>
-          <p:nvPr/>
-        </p:nvSpPr>
-        <p:spPr>
-          <a:xfrm>
-            <a:off x="4770776" y="4861081"/>
-            <a:ext cx="1083076" cy="674703"/>
-          </a:xfrm>
-          <a:prstGeom prst="rightArrow">
-            <a:avLst/>
-          </a:prstGeom>
-          <a:solidFill>
-            <a:srgbClr val="0070C0"/>
-          </a:solidFill>
-          <a:ln w="38100">
             <a:solidFill>
               <a:schemeClr val="tx1">
                 <a:lumMod val="85000"/>
@@ -9183,162 +9935,64 @@
             </a:solidFill>
           </a:ln>
         </p:spPr>
-        <p:style>
-          <a:lnRef idx="2">
-            <a:schemeClr val="accent1">
-              <a:shade val="50000"/>
-            </a:schemeClr>
-          </a:lnRef>
-          <a:fillRef idx="1">
-            <a:schemeClr val="accent1"/>
-          </a:fillRef>
-          <a:effectRef idx="0">
-            <a:schemeClr val="accent1"/>
-          </a:effectRef>
-          <a:fontRef idx="minor">
-            <a:schemeClr val="lt1"/>
-          </a:fontRef>
-        </p:style>
-        <p:txBody>
-          <a:bodyPr rtlCol="0" anchor="ctr"/>
-          <a:lstStyle/>
-          <a:p>
-            <a:pPr algn="ctr"/>
-            <a:endParaRPr lang="en-US"/>
-          </a:p>
-        </p:txBody>
-      </p:sp>
-      <p:pic>
-        <p:nvPicPr>
-          <p:cNvPr id="17" name="Picture 16">
+        <p:txBody>
+          <a:bodyPr wrap="square">
+            <a:spAutoFit/>
+          </a:bodyPr>
+          <a:lstStyle/>
+          <a:p>
+            <a:r>
+              <a:rPr lang="en-US" sz="2400" dirty="0">
+                <a:latin typeface="Segoe UI" panose="020B0502040204020203" pitchFamily="34" charset="0"/>
+                <a:cs typeface="Segoe UI" panose="020B0502040204020203" pitchFamily="34" charset="0"/>
+              </a:rPr>
+              <a:t>https://www.dafont.com/it/</a:t>
+            </a:r>
+          </a:p>
+        </p:txBody>
+      </p:sp>
+      <p:sp>
+        <p:nvSpPr>
+          <p:cNvPr id="15" name="TextBox 14">
             <a:extLst>
               <a:ext uri="{FF2B5EF4-FFF2-40B4-BE49-F238E27FC236}">
-                <a16:creationId xmlns:a16="http://schemas.microsoft.com/office/drawing/2014/main" id="{68C335DD-722E-4520-BDB9-AB88A7EF795F}"/>
+                <a16:creationId xmlns:a16="http://schemas.microsoft.com/office/drawing/2014/main" id="{CB3C570C-76D9-46DA-8426-9DCC1AFDFA67}"/>
               </a:ext>
             </a:extLst>
           </p:cNvPr>
-          <p:cNvPicPr>
-            <a:picLocks noChangeAspect="1"/>
-          </p:cNvPicPr>
+          <p:cNvSpPr txBox="1"/>
           <p:nvPr/>
-        </p:nvPicPr>
-        <p:blipFill>
-          <a:blip r:embed="rId4"/>
-          <a:stretch>
-            <a:fillRect/>
-          </a:stretch>
-        </p:blipFill>
-        <p:spPr>
-          <a:xfrm>
-            <a:off x="1610689" y="2852102"/>
-            <a:ext cx="2533650" cy="314325"/>
+        </p:nvSpPr>
+        <p:spPr>
+          <a:xfrm>
+            <a:off x="1082815" y="1842880"/>
+            <a:ext cx="6098958" cy="369332"/>
           </a:xfrm>
           <a:prstGeom prst="rect">
             <a:avLst/>
           </a:prstGeom>
-          <a:ln w="57150">
-            <a:solidFill>
-              <a:srgbClr val="0070C0"/>
-            </a:solidFill>
-          </a:ln>
-        </p:spPr>
-      </p:pic>
-      <p:sp>
-        <p:nvSpPr>
-          <p:cNvPr id="18" name="Arrow: Right 17">
-            <a:extLst>
-              <a:ext uri="{FF2B5EF4-FFF2-40B4-BE49-F238E27FC236}">
-                <a16:creationId xmlns:a16="http://schemas.microsoft.com/office/drawing/2014/main" id="{107B578B-2C21-41A4-8666-EBBFBC21A991}"/>
-              </a:ext>
-            </a:extLst>
-          </p:cNvPr>
-          <p:cNvSpPr/>
-          <p:nvPr/>
-        </p:nvSpPr>
-        <p:spPr>
-          <a:xfrm rot="5400000">
-            <a:off x="2361598" y="3431806"/>
-            <a:ext cx="876670" cy="674703"/>
-          </a:xfrm>
-          <a:prstGeom prst="rightArrow">
-            <a:avLst/>
-          </a:prstGeom>
-          <a:solidFill>
-            <a:srgbClr val="0070C0"/>
-          </a:solidFill>
-          <a:ln w="38100">
-            <a:solidFill>
-              <a:schemeClr val="tx1">
-                <a:lumMod val="85000"/>
-                <a:lumOff val="15000"/>
-              </a:schemeClr>
-            </a:solidFill>
-          </a:ln>
-        </p:spPr>
-        <p:style>
-          <a:lnRef idx="2">
-            <a:schemeClr val="accent1">
-              <a:shade val="50000"/>
-            </a:schemeClr>
-          </a:lnRef>
-          <a:fillRef idx="1">
-            <a:schemeClr val="accent1"/>
-          </a:fillRef>
-          <a:effectRef idx="0">
-            <a:schemeClr val="accent1"/>
-          </a:effectRef>
-          <a:fontRef idx="minor">
-            <a:schemeClr val="lt1"/>
-          </a:fontRef>
-        </p:style>
-        <p:txBody>
-          <a:bodyPr rtlCol="0" anchor="ctr"/>
-          <a:lstStyle/>
-          <a:p>
-            <a:pPr algn="ctr"/>
-            <a:endParaRPr lang="en-US"/>
-          </a:p>
-        </p:txBody>
-      </p:sp>
-      <p:pic>
-        <p:nvPicPr>
-          <p:cNvPr id="20" name="Picture 19">
-            <a:extLst>
-              <a:ext uri="{FF2B5EF4-FFF2-40B4-BE49-F238E27FC236}">
-                <a16:creationId xmlns:a16="http://schemas.microsoft.com/office/drawing/2014/main" id="{CDF5B6DA-D876-4FC6-AE11-48CC579F257E}"/>
-              </a:ext>
-            </a:extLst>
-          </p:cNvPr>
-          <p:cNvPicPr>
-            <a:picLocks noChangeAspect="1"/>
-          </p:cNvPicPr>
-          <p:nvPr/>
-        </p:nvPicPr>
-        <p:blipFill>
-          <a:blip r:embed="rId5"/>
-          <a:stretch>
-            <a:fillRect/>
-          </a:stretch>
-        </p:blipFill>
-        <p:spPr>
-          <a:xfrm>
-            <a:off x="8729966" y="2255978"/>
-            <a:ext cx="2714625" cy="1704975"/>
-          </a:xfrm>
-          <a:prstGeom prst="rect">
-            <a:avLst/>
-          </a:prstGeom>
-          <a:ln w="57150">
-            <a:solidFill>
-              <a:srgbClr val="C00000"/>
-            </a:solidFill>
-          </a:ln>
-        </p:spPr>
-      </p:pic>
+          <a:noFill/>
+        </p:spPr>
+        <p:txBody>
+          <a:bodyPr wrap="square">
+            <a:spAutoFit/>
+          </a:bodyPr>
+          <a:lstStyle/>
+          <a:p>
+            <a:r>
+              <a:rPr lang="en-US" b="1" dirty="0">
+                <a:latin typeface="Segoe UI" panose="020B0502040204020203" pitchFamily="34" charset="0"/>
+                <a:cs typeface="Segoe UI" panose="020B0502040204020203" pitchFamily="34" charset="0"/>
+              </a:rPr>
+              <a:t>Different Font Formats</a:t>
+            </a:r>
+          </a:p>
+        </p:txBody>
+      </p:sp>
     </p:spTree>
     <p:extLst>
       <p:ext uri="{BB962C8B-B14F-4D97-AF65-F5344CB8AC3E}">
-        <p14:creationId xmlns:p14="http://schemas.microsoft.com/office/powerpoint/2010/main" val="298740777"/>
+        <p14:creationId xmlns:p14="http://schemas.microsoft.com/office/powerpoint/2010/main" val="2962976491"/>
       </p:ext>
     </p:extLst>
   </p:cSld>
@@ -9416,7 +10070,7 @@
                 <a:latin typeface="Segoe UI" panose="020B0502040204020203" pitchFamily="34" charset="0"/>
                 <a:cs typeface="Segoe UI" panose="020B0502040204020203" pitchFamily="34" charset="0"/>
               </a:rPr>
-              <a:t> | underline</a:t>
+              <a:t> | ::after ::before</a:t>
             </a:r>
             <a:endParaRPr lang="en-US" sz="1600" b="1" dirty="0">
               <a:solidFill>
@@ -9431,12 +10085,300 @@
           </a:p>
         </p:txBody>
       </p:sp>
+      <p:sp>
+        <p:nvSpPr>
+          <p:cNvPr id="8" name="Rectangle 2">
+            <a:extLst>
+              <a:ext uri="{FF2B5EF4-FFF2-40B4-BE49-F238E27FC236}">
+                <a16:creationId xmlns:a16="http://schemas.microsoft.com/office/drawing/2014/main" id="{8610DDF0-5CD6-410C-AEB2-31A5AAAF6CFF}"/>
+              </a:ext>
+            </a:extLst>
+          </p:cNvPr>
+          <p:cNvSpPr>
+            <a:spLocks noChangeArrowheads="1"/>
+          </p:cNvSpPr>
+          <p:nvPr/>
+        </p:nvSpPr>
+        <p:spPr bwMode="auto">
+          <a:xfrm>
+            <a:off x="1154321" y="1297439"/>
+            <a:ext cx="8932958" cy="1200329"/>
+          </a:xfrm>
+          <a:prstGeom prst="rect">
+            <a:avLst/>
+          </a:prstGeom>
+          <a:noFill/>
+          <a:ln>
+            <a:noFill/>
+          </a:ln>
+          <a:effectLst/>
+          <a:extLst>
+            <a:ext uri="{909E8E84-426E-40DD-AFC4-6F175D3DCCD1}">
+              <a14:hiddenFill xmlns:a14="http://schemas.microsoft.com/office/drawing/2010/main">
+                <a:solidFill>
+                  <a:schemeClr val="accent1"/>
+                </a:solidFill>
+              </a14:hiddenFill>
+            </a:ext>
+            <a:ext uri="{91240B29-F687-4F45-9708-019B960494DF}">
+              <a14:hiddenLine xmlns:a14="http://schemas.microsoft.com/office/drawing/2010/main" w="9525">
+                <a:solidFill>
+                  <a:schemeClr val="tx1"/>
+                </a:solidFill>
+                <a:miter lim="800000"/>
+                <a:headEnd/>
+                <a:tailEnd/>
+              </a14:hiddenLine>
+            </a:ext>
+            <a:ext uri="{AF507438-7753-43E0-B8FC-AC1667EBCBE1}">
+              <a14:hiddenEffects xmlns:a14="http://schemas.microsoft.com/office/drawing/2010/main">
+                <a:effectLst>
+                  <a:outerShdw dist="35921" dir="2700000" algn="ctr" rotWithShape="0">
+                    <a:schemeClr val="bg2"/>
+                  </a:outerShdw>
+                </a:effectLst>
+              </a14:hiddenEffects>
+            </a:ext>
+          </a:extLst>
+        </p:spPr>
+        <p:txBody>
+          <a:bodyPr vert="horz" wrap="none" lIns="91440" tIns="45720" rIns="91440" bIns="45720" numCol="1" anchor="ctr" anchorCtr="0" compatLnSpc="1">
+            <a:prstTxWarp prst="textNoShape">
+              <a:avLst/>
+            </a:prstTxWarp>
+            <a:spAutoFit/>
+          </a:bodyPr>
+          <a:lstStyle/>
+          <a:p>
+            <a:pPr marL="0" marR="0" lvl="0" indent="0" algn="l" defTabSz="914400" rtl="0" eaLnBrk="0" fontAlgn="base" latinLnBrk="0" hangingPunct="0">
+              <a:lnSpc>
+                <a:spcPct val="100000"/>
+              </a:lnSpc>
+              <a:spcBef>
+                <a:spcPct val="0"/>
+              </a:spcBef>
+              <a:spcAft>
+                <a:spcPct val="0"/>
+              </a:spcAft>
+              <a:buClrTx/>
+              <a:buSzTx/>
+              <a:buFontTx/>
+              <a:buNone/>
+              <a:tabLst/>
+            </a:pPr>
+            <a:r>
+              <a:rPr kumimoji="0" lang="en-US" altLang="en-US" b="0" i="0" u="none" strike="noStrike" cap="none" normalizeH="0" baseline="0" dirty="0">
+                <a:ln>
+                  <a:noFill/>
+                </a:ln>
+                <a:solidFill>
+                  <a:schemeClr val="tx1"/>
+                </a:solidFill>
+                <a:effectLst/>
+                <a:latin typeface="Segoe UI" panose="020B0502040204020203" pitchFamily="34" charset="0"/>
+                <a:cs typeface="Segoe UI" panose="020B0502040204020203" pitchFamily="34" charset="0"/>
+              </a:rPr>
+              <a:t>The </a:t>
+            </a:r>
+            <a:r>
+              <a:rPr kumimoji="0" lang="en-US" altLang="en-US" b="1" i="0" u="none" strike="noStrike" cap="none" normalizeH="0" baseline="0" dirty="0">
+                <a:ln>
+                  <a:noFill/>
+                </a:ln>
+                <a:solidFill>
+                  <a:schemeClr val="tx1"/>
+                </a:solidFill>
+                <a:effectLst/>
+                <a:latin typeface="Segoe UI" panose="020B0502040204020203" pitchFamily="34" charset="0"/>
+                <a:cs typeface="Segoe UI" panose="020B0502040204020203" pitchFamily="34" charset="0"/>
+              </a:rPr>
+              <a:t>::after </a:t>
+            </a:r>
+            <a:r>
+              <a:rPr kumimoji="0" lang="en-US" altLang="en-US" b="0" i="0" u="none" strike="noStrike" cap="none" normalizeH="0" baseline="0" dirty="0">
+                <a:ln>
+                  <a:noFill/>
+                </a:ln>
+                <a:solidFill>
+                  <a:schemeClr val="tx1"/>
+                </a:solidFill>
+                <a:effectLst/>
+                <a:latin typeface="Segoe UI" panose="020B0502040204020203" pitchFamily="34" charset="0"/>
+                <a:cs typeface="Segoe UI" panose="020B0502040204020203" pitchFamily="34" charset="0"/>
+              </a:rPr>
+              <a:t>selector inserts something after the content of each selected element(s).</a:t>
+            </a:r>
+          </a:p>
+          <a:p>
+            <a:pPr defTabSz="914400" eaLnBrk="0" fontAlgn="base" hangingPunct="0">
+              <a:spcBef>
+                <a:spcPct val="0"/>
+              </a:spcBef>
+              <a:spcAft>
+                <a:spcPct val="0"/>
+              </a:spcAft>
+            </a:pPr>
+            <a:r>
+              <a:rPr kumimoji="0" lang="en-US" altLang="en-US" b="0" i="0" u="none" strike="noStrike" cap="none" normalizeH="0" baseline="0" dirty="0">
+                <a:ln>
+                  <a:noFill/>
+                </a:ln>
+                <a:solidFill>
+                  <a:schemeClr val="tx1"/>
+                </a:solidFill>
+                <a:effectLst/>
+                <a:latin typeface="Segoe UI" panose="020B0502040204020203" pitchFamily="34" charset="0"/>
+                <a:cs typeface="Segoe UI" panose="020B0502040204020203" pitchFamily="34" charset="0"/>
+              </a:rPr>
+              <a:t>The </a:t>
+            </a:r>
+            <a:r>
+              <a:rPr kumimoji="0" lang="en-US" altLang="en-US" b="1" i="0" u="none" strike="noStrike" cap="none" normalizeH="0" baseline="0" dirty="0">
+                <a:ln>
+                  <a:noFill/>
+                </a:ln>
+                <a:solidFill>
+                  <a:schemeClr val="tx1"/>
+                </a:solidFill>
+                <a:effectLst/>
+                <a:latin typeface="Segoe UI" panose="020B0502040204020203" pitchFamily="34" charset="0"/>
+                <a:cs typeface="Segoe UI" panose="020B0502040204020203" pitchFamily="34" charset="0"/>
+              </a:rPr>
+              <a:t>::</a:t>
+            </a:r>
+            <a:r>
+              <a:rPr lang="en-US" altLang="en-US" b="1" dirty="0">
+                <a:latin typeface="Segoe UI" panose="020B0502040204020203" pitchFamily="34" charset="0"/>
+                <a:cs typeface="Segoe UI" panose="020B0502040204020203" pitchFamily="34" charset="0"/>
+              </a:rPr>
+              <a:t>b</a:t>
+            </a:r>
+            <a:r>
+              <a:rPr kumimoji="0" lang="en-US" altLang="en-US" b="1" i="0" u="none" strike="noStrike" cap="none" normalizeH="0" baseline="0" dirty="0">
+                <a:ln>
+                  <a:noFill/>
+                </a:ln>
+                <a:solidFill>
+                  <a:schemeClr val="tx1"/>
+                </a:solidFill>
+                <a:effectLst/>
+                <a:latin typeface="Segoe UI" panose="020B0502040204020203" pitchFamily="34" charset="0"/>
+                <a:cs typeface="Segoe UI" panose="020B0502040204020203" pitchFamily="34" charset="0"/>
+              </a:rPr>
+              <a:t>efore </a:t>
+            </a:r>
+            <a:r>
+              <a:rPr kumimoji="0" lang="en-US" altLang="en-US" b="0" i="0" u="none" strike="noStrike" cap="none" normalizeH="0" baseline="0" dirty="0">
+                <a:ln>
+                  <a:noFill/>
+                </a:ln>
+                <a:solidFill>
+                  <a:schemeClr val="tx1"/>
+                </a:solidFill>
+                <a:effectLst/>
+                <a:latin typeface="Segoe UI" panose="020B0502040204020203" pitchFamily="34" charset="0"/>
+                <a:cs typeface="Segoe UI" panose="020B0502040204020203" pitchFamily="34" charset="0"/>
+              </a:rPr>
+              <a:t>selector inserts something before the content of each selected element(s).</a:t>
+            </a:r>
+          </a:p>
+          <a:p>
+            <a:pPr marL="0" marR="0" lvl="0" indent="0" algn="l" defTabSz="914400" rtl="0" eaLnBrk="0" fontAlgn="base" latinLnBrk="0" hangingPunct="0">
+              <a:lnSpc>
+                <a:spcPct val="100000"/>
+              </a:lnSpc>
+              <a:spcBef>
+                <a:spcPct val="0"/>
+              </a:spcBef>
+              <a:spcAft>
+                <a:spcPct val="0"/>
+              </a:spcAft>
+              <a:buClrTx/>
+              <a:buSzTx/>
+              <a:buFontTx/>
+              <a:buNone/>
+              <a:tabLst/>
+            </a:pPr>
+            <a:endParaRPr kumimoji="0" lang="en-US" altLang="en-US" b="0" i="0" u="none" strike="noStrike" cap="none" normalizeH="0" baseline="0" dirty="0">
+              <a:ln>
+                <a:noFill/>
+              </a:ln>
+              <a:solidFill>
+                <a:schemeClr val="tx1"/>
+              </a:solidFill>
+              <a:effectLst/>
+              <a:latin typeface="Segoe UI" panose="020B0502040204020203" pitchFamily="34" charset="0"/>
+              <a:cs typeface="Segoe UI" panose="020B0502040204020203" pitchFamily="34" charset="0"/>
+            </a:endParaRPr>
+          </a:p>
+          <a:p>
+            <a:pPr marL="0" marR="0" lvl="0" indent="0" algn="l" defTabSz="914400" rtl="0" eaLnBrk="0" fontAlgn="base" latinLnBrk="0" hangingPunct="0">
+              <a:lnSpc>
+                <a:spcPct val="100000"/>
+              </a:lnSpc>
+              <a:spcBef>
+                <a:spcPct val="0"/>
+              </a:spcBef>
+              <a:spcAft>
+                <a:spcPct val="0"/>
+              </a:spcAft>
+              <a:buClrTx/>
+              <a:buSzTx/>
+              <a:buFontTx/>
+              <a:buNone/>
+              <a:tabLst/>
+            </a:pPr>
+            <a:r>
+              <a:rPr kumimoji="0" lang="en-US" altLang="en-US" b="0" i="0" u="none" strike="noStrike" cap="none" normalizeH="0" baseline="0" dirty="0">
+                <a:ln>
+                  <a:noFill/>
+                </a:ln>
+                <a:solidFill>
+                  <a:schemeClr val="tx1"/>
+                </a:solidFill>
+                <a:effectLst/>
+                <a:latin typeface="Segoe UI" panose="020B0502040204020203" pitchFamily="34" charset="0"/>
+                <a:cs typeface="Segoe UI" panose="020B0502040204020203" pitchFamily="34" charset="0"/>
+              </a:rPr>
+              <a:t>Use the </a:t>
+            </a:r>
+            <a:r>
+              <a:rPr kumimoji="0" lang="en-US" altLang="en-US" b="1" i="0" u="none" strike="noStrike" cap="none" normalizeH="0" baseline="0" dirty="0">
+                <a:ln>
+                  <a:noFill/>
+                </a:ln>
+                <a:solidFill>
+                  <a:schemeClr val="tx1"/>
+                </a:solidFill>
+                <a:effectLst/>
+                <a:latin typeface="Segoe UI" panose="020B0502040204020203" pitchFamily="34" charset="0"/>
+                <a:cs typeface="Segoe UI" panose="020B0502040204020203" pitchFamily="34" charset="0"/>
+              </a:rPr>
+              <a:t>content</a:t>
+            </a:r>
+            <a:r>
+              <a:rPr kumimoji="0" lang="en-US" altLang="en-US" b="0" i="0" u="none" strike="noStrike" cap="none" normalizeH="0" baseline="0" dirty="0">
+                <a:ln>
+                  <a:noFill/>
+                </a:ln>
+                <a:solidFill>
+                  <a:schemeClr val="tx1"/>
+                </a:solidFill>
+                <a:effectLst/>
+                <a:latin typeface="Segoe UI" panose="020B0502040204020203" pitchFamily="34" charset="0"/>
+                <a:cs typeface="Segoe UI" panose="020B0502040204020203" pitchFamily="34" charset="0"/>
+              </a:rPr>
+              <a:t> property to specify the content to insert.</a:t>
+            </a:r>
+          </a:p>
+        </p:txBody>
+      </p:sp>
       <p:pic>
         <p:nvPicPr>
-          <p:cNvPr id="4" name="Picture 3">
+          <p:cNvPr id="11" name="Picture 10">
             <a:extLst>
               <a:ext uri="{FF2B5EF4-FFF2-40B4-BE49-F238E27FC236}">
-                <a16:creationId xmlns:a16="http://schemas.microsoft.com/office/drawing/2014/main" id="{53AC27BA-4686-4DFC-A68B-572972E16E2D}"/>
+                <a16:creationId xmlns:a16="http://schemas.microsoft.com/office/drawing/2014/main" id="{20C9A7A7-FE31-4022-9647-1C83C0F3E64E}"/>
               </a:ext>
             </a:extLst>
           </p:cNvPr>
@@ -9453,8 +10395,8 @@
         </p:blipFill>
         <p:spPr>
           <a:xfrm>
-            <a:off x="4526031" y="3009966"/>
-            <a:ext cx="7134225" cy="1828800"/>
+            <a:off x="1296364" y="4360233"/>
+            <a:ext cx="3162300" cy="1676400"/>
           </a:xfrm>
           <a:prstGeom prst="rect">
             <a:avLst/>
@@ -9468,10 +10410,10 @@
       </p:pic>
       <p:pic>
         <p:nvPicPr>
-          <p:cNvPr id="6" name="Picture 5">
+          <p:cNvPr id="14" name="Picture 13">
             <a:extLst>
               <a:ext uri="{FF2B5EF4-FFF2-40B4-BE49-F238E27FC236}">
-                <a16:creationId xmlns:a16="http://schemas.microsoft.com/office/drawing/2014/main" id="{1E78421B-DAF4-485C-8A6B-F8214F189C47}"/>
+                <a16:creationId xmlns:a16="http://schemas.microsoft.com/office/drawing/2014/main" id="{03A94252-DF59-401B-A72E-01606EF77870}"/>
               </a:ext>
             </a:extLst>
           </p:cNvPr>
@@ -9488,12 +10430,15 @@
         </p:blipFill>
         <p:spPr>
           <a:xfrm>
-            <a:off x="837920" y="1515611"/>
-            <a:ext cx="3267075" cy="781050"/>
+            <a:off x="6338150" y="5055557"/>
+            <a:ext cx="3019425" cy="285750"/>
           </a:xfrm>
           <a:prstGeom prst="rect">
             <a:avLst/>
           </a:prstGeom>
+          <a:solidFill>
+            <a:srgbClr val="0070C0"/>
+          </a:solidFill>
           <a:ln w="57150">
             <a:solidFill>
               <a:srgbClr val="0070C0"/>
@@ -9503,10 +10448,10 @@
       </p:pic>
       <p:sp>
         <p:nvSpPr>
-          <p:cNvPr id="16" name="Arrow: Right 15">
+          <p:cNvPr id="15" name="Arrow: Right 14">
             <a:extLst>
               <a:ext uri="{FF2B5EF4-FFF2-40B4-BE49-F238E27FC236}">
-                <a16:creationId xmlns:a16="http://schemas.microsoft.com/office/drawing/2014/main" id="{59898B87-E4DF-43D7-BCDE-8D703C377EAD}"/>
+                <a16:creationId xmlns:a16="http://schemas.microsoft.com/office/drawing/2014/main" id="{E80CEBF0-CF99-43B8-B2A8-8E76AD1599DD}"/>
               </a:ext>
             </a:extLst>
           </p:cNvPr>
@@ -9514,9 +10459,9 @@
           <p:nvPr/>
         </p:nvSpPr>
         <p:spPr>
-          <a:xfrm rot="1726668">
-            <a:off x="4394583" y="2075491"/>
-            <a:ext cx="876670" cy="674703"/>
+          <a:xfrm>
+            <a:off x="4770776" y="4861081"/>
+            <a:ext cx="1083076" cy="674703"/>
           </a:xfrm>
           <a:prstGeom prst="rightArrow">
             <a:avLst/>
@@ -9558,12 +10503,47 @@
           </a:p>
         </p:txBody>
       </p:sp>
-      <p:sp>
-        <p:nvSpPr>
-          <p:cNvPr id="22" name="Arrow: Right 21">
+      <p:pic>
+        <p:nvPicPr>
+          <p:cNvPr id="17" name="Picture 16">
             <a:extLst>
               <a:ext uri="{FF2B5EF4-FFF2-40B4-BE49-F238E27FC236}">
-                <a16:creationId xmlns:a16="http://schemas.microsoft.com/office/drawing/2014/main" id="{63BAD4FF-3C1D-40D0-BCD8-39575E0B2DB8}"/>
+                <a16:creationId xmlns:a16="http://schemas.microsoft.com/office/drawing/2014/main" id="{68C335DD-722E-4520-BDB9-AB88A7EF795F}"/>
+              </a:ext>
+            </a:extLst>
+          </p:cNvPr>
+          <p:cNvPicPr>
+            <a:picLocks noChangeAspect="1"/>
+          </p:cNvPicPr>
+          <p:nvPr/>
+        </p:nvPicPr>
+        <p:blipFill>
+          <a:blip r:embed="rId4"/>
+          <a:stretch>
+            <a:fillRect/>
+          </a:stretch>
+        </p:blipFill>
+        <p:spPr>
+          <a:xfrm>
+            <a:off x="1610689" y="2852102"/>
+            <a:ext cx="2533650" cy="314325"/>
+          </a:xfrm>
+          <a:prstGeom prst="rect">
+            <a:avLst/>
+          </a:prstGeom>
+          <a:ln w="57150">
+            <a:solidFill>
+              <a:srgbClr val="0070C0"/>
+            </a:solidFill>
+          </a:ln>
+        </p:spPr>
+      </p:pic>
+      <p:sp>
+        <p:nvSpPr>
+          <p:cNvPr id="18" name="Arrow: Right 17">
+            <a:extLst>
+              <a:ext uri="{FF2B5EF4-FFF2-40B4-BE49-F238E27FC236}">
+                <a16:creationId xmlns:a16="http://schemas.microsoft.com/office/drawing/2014/main" id="{107B578B-2C21-41A4-8666-EBBFBC21A991}"/>
               </a:ext>
             </a:extLst>
           </p:cNvPr>
@@ -9571,15 +10551,15 @@
           <p:nvPr/>
         </p:nvSpPr>
         <p:spPr>
-          <a:xfrm rot="8072073">
-            <a:off x="7167857" y="5050470"/>
+          <a:xfrm rot="5400000">
+            <a:off x="2361598" y="3431806"/>
             <a:ext cx="876670" cy="674703"/>
           </a:xfrm>
           <a:prstGeom prst="rightArrow">
             <a:avLst/>
           </a:prstGeom>
           <a:solidFill>
-            <a:srgbClr val="FFC000"/>
+            <a:srgbClr val="0070C0"/>
           </a:solidFill>
           <a:ln w="38100">
             <a:solidFill>
@@ -9617,10 +10597,10 @@
       </p:sp>
       <p:pic>
         <p:nvPicPr>
-          <p:cNvPr id="9" name="Picture 8">
+          <p:cNvPr id="20" name="Picture 19">
             <a:extLst>
               <a:ext uri="{FF2B5EF4-FFF2-40B4-BE49-F238E27FC236}">
-                <a16:creationId xmlns:a16="http://schemas.microsoft.com/office/drawing/2014/main" id="{0436AA19-6157-4572-A4C6-0D3375895C01}"/>
+                <a16:creationId xmlns:a16="http://schemas.microsoft.com/office/drawing/2014/main" id="{CDF5B6DA-D876-4FC6-AE11-48CC579F257E}"/>
               </a:ext>
             </a:extLst>
           </p:cNvPr>
@@ -9630,25 +10610,30 @@
           <p:nvPr/>
         </p:nvPicPr>
         <p:blipFill>
-          <a:blip r:embed="rId4"/>
+          <a:blip r:embed="rId5"/>
           <a:stretch>
             <a:fillRect/>
           </a:stretch>
         </p:blipFill>
         <p:spPr>
           <a:xfrm>
-            <a:off x="743222" y="5479602"/>
-            <a:ext cx="6315075" cy="657225"/>
+            <a:off x="8729966" y="2255978"/>
+            <a:ext cx="2714625" cy="1704975"/>
           </a:xfrm>
           <a:prstGeom prst="rect">
             <a:avLst/>
           </a:prstGeom>
+          <a:ln w="57150">
+            <a:solidFill>
+              <a:srgbClr val="C00000"/>
+            </a:solidFill>
+          </a:ln>
         </p:spPr>
       </p:pic>
     </p:spTree>
     <p:extLst>
       <p:ext uri="{BB962C8B-B14F-4D97-AF65-F5344CB8AC3E}">
-        <p14:creationId xmlns:p14="http://schemas.microsoft.com/office/powerpoint/2010/main" val="1345228011"/>
+        <p14:creationId xmlns:p14="http://schemas.microsoft.com/office/powerpoint/2010/main" val="298740777"/>
       </p:ext>
     </p:extLst>
   </p:cSld>
@@ -9726,7 +10711,7 @@
                 <a:latin typeface="Segoe UI" panose="020B0502040204020203" pitchFamily="34" charset="0"/>
                 <a:cs typeface="Segoe UI" panose="020B0502040204020203" pitchFamily="34" charset="0"/>
               </a:rPr>
-              <a:t> | bar</a:t>
+              <a:t> | underline</a:t>
             </a:r>
             <a:endParaRPr lang="en-US" sz="1600" b="1" dirty="0">
               <a:solidFill>
@@ -9743,10 +10728,10 @@
       </p:sp>
       <p:pic>
         <p:nvPicPr>
-          <p:cNvPr id="14" name="Picture 13">
+          <p:cNvPr id="4" name="Picture 3">
             <a:extLst>
               <a:ext uri="{FF2B5EF4-FFF2-40B4-BE49-F238E27FC236}">
-                <a16:creationId xmlns:a16="http://schemas.microsoft.com/office/drawing/2014/main" id="{4ED9B6F9-DFDF-47BA-B97E-791018F0F9D6}"/>
+                <a16:creationId xmlns:a16="http://schemas.microsoft.com/office/drawing/2014/main" id="{53AC27BA-4686-4DFC-A68B-572972E16E2D}"/>
               </a:ext>
             </a:extLst>
           </p:cNvPr>
@@ -9763,8 +10748,8 @@
         </p:blipFill>
         <p:spPr>
           <a:xfrm>
-            <a:off x="1130508" y="1736527"/>
-            <a:ext cx="5838825" cy="304800"/>
+            <a:off x="4526031" y="3009966"/>
+            <a:ext cx="7134225" cy="1828800"/>
           </a:xfrm>
           <a:prstGeom prst="rect">
             <a:avLst/>
@@ -9778,10 +10763,10 @@
       </p:pic>
       <p:pic>
         <p:nvPicPr>
-          <p:cNvPr id="23" name="Picture 22">
+          <p:cNvPr id="6" name="Picture 5">
             <a:extLst>
               <a:ext uri="{FF2B5EF4-FFF2-40B4-BE49-F238E27FC236}">
-                <a16:creationId xmlns:a16="http://schemas.microsoft.com/office/drawing/2014/main" id="{079EB600-5E5A-4B75-89A4-7802B7122C0B}"/>
+                <a16:creationId xmlns:a16="http://schemas.microsoft.com/office/drawing/2014/main" id="{1E78421B-DAF4-485C-8A6B-F8214F189C47}"/>
               </a:ext>
             </a:extLst>
           </p:cNvPr>
@@ -9798,8 +10783,8 @@
         </p:blipFill>
         <p:spPr>
           <a:xfrm>
-            <a:off x="1130508" y="3228500"/>
-            <a:ext cx="2862372" cy="2617564"/>
+            <a:off x="837920" y="1515611"/>
+            <a:ext cx="3267075" cy="781050"/>
           </a:xfrm>
           <a:prstGeom prst="rect">
             <a:avLst/>
@@ -9813,10 +10798,10 @@
       </p:pic>
       <p:sp>
         <p:nvSpPr>
-          <p:cNvPr id="12" name="Rectangle 11">
+          <p:cNvPr id="16" name="Arrow: Right 15">
             <a:extLst>
               <a:ext uri="{FF2B5EF4-FFF2-40B4-BE49-F238E27FC236}">
-                <a16:creationId xmlns:a16="http://schemas.microsoft.com/office/drawing/2014/main" id="{B5900014-EF7B-4C7F-BD71-C576C5AC62FB}"/>
+                <a16:creationId xmlns:a16="http://schemas.microsoft.com/office/drawing/2014/main" id="{59898B87-E4DF-43D7-BCDE-8D703C377EAD}"/>
               </a:ext>
             </a:extLst>
           </p:cNvPr>
@@ -9824,17 +10809,22 @@
           <p:nvPr/>
         </p:nvSpPr>
         <p:spPr>
-          <a:xfrm>
-            <a:off x="2680679" y="1753982"/>
-            <a:ext cx="1312201" cy="257453"/>
-          </a:xfrm>
-          <a:prstGeom prst="rect">
+          <a:xfrm rot="1726668">
+            <a:off x="4394583" y="2075491"/>
+            <a:ext cx="876670" cy="674703"/>
+          </a:xfrm>
+          <a:prstGeom prst="rightArrow">
             <a:avLst/>
           </a:prstGeom>
-          <a:noFill/>
-          <a:ln w="57150">
+          <a:solidFill>
+            <a:srgbClr val="0070C0"/>
+          </a:solidFill>
+          <a:ln w="38100">
             <a:solidFill>
-              <a:srgbClr val="C00000"/>
+              <a:schemeClr val="tx1">
+                <a:lumMod val="85000"/>
+                <a:lumOff val="15000"/>
+              </a:schemeClr>
             </a:solidFill>
           </a:ln>
         </p:spPr>
@@ -9859,16 +10849,16 @@
           <a:lstStyle/>
           <a:p>
             <a:pPr algn="ctr"/>
-            <a:endParaRPr lang="en-US" dirty="0"/>
-          </a:p>
-        </p:txBody>
-      </p:sp>
-      <p:sp>
-        <p:nvSpPr>
-          <p:cNvPr id="25" name="Rectangle 24">
+            <a:endParaRPr lang="en-US"/>
+          </a:p>
+        </p:txBody>
+      </p:sp>
+      <p:sp>
+        <p:nvSpPr>
+          <p:cNvPr id="22" name="Arrow: Right 21">
             <a:extLst>
               <a:ext uri="{FF2B5EF4-FFF2-40B4-BE49-F238E27FC236}">
-                <a16:creationId xmlns:a16="http://schemas.microsoft.com/office/drawing/2014/main" id="{DEB5E6F9-7904-41B3-A907-308B9B234AE5}"/>
+                <a16:creationId xmlns:a16="http://schemas.microsoft.com/office/drawing/2014/main" id="{63BAD4FF-3C1D-40D0-BCD8-39575E0B2DB8}"/>
               </a:ext>
             </a:extLst>
           </p:cNvPr>
@@ -9876,17 +10866,22 @@
           <p:nvPr/>
         </p:nvSpPr>
         <p:spPr>
-          <a:xfrm>
-            <a:off x="4049920" y="1753982"/>
-            <a:ext cx="2186288" cy="257453"/>
-          </a:xfrm>
-          <a:prstGeom prst="rect">
+          <a:xfrm rot="8072073">
+            <a:off x="7167857" y="5050470"/>
+            <a:ext cx="876670" cy="674703"/>
+          </a:xfrm>
+          <a:prstGeom prst="rightArrow">
             <a:avLst/>
           </a:prstGeom>
-          <a:noFill/>
-          <a:ln w="57150">
+          <a:solidFill>
+            <a:srgbClr val="FFC000"/>
+          </a:solidFill>
+          <a:ln w="38100">
             <a:solidFill>
-              <a:srgbClr val="00B050"/>
+              <a:schemeClr val="tx1">
+                <a:lumMod val="85000"/>
+                <a:lumOff val="15000"/>
+              </a:schemeClr>
             </a:solidFill>
           </a:ln>
         </p:spPr>
@@ -9911,16 +10906,16 @@
           <a:lstStyle/>
           <a:p>
             <a:pPr algn="ctr"/>
-            <a:endParaRPr lang="en-US" dirty="0"/>
+            <a:endParaRPr lang="en-US"/>
           </a:p>
         </p:txBody>
       </p:sp>
       <p:pic>
         <p:nvPicPr>
-          <p:cNvPr id="27" name="Picture 26">
+          <p:cNvPr id="9" name="Picture 8">
             <a:extLst>
               <a:ext uri="{FF2B5EF4-FFF2-40B4-BE49-F238E27FC236}">
-                <a16:creationId xmlns:a16="http://schemas.microsoft.com/office/drawing/2014/main" id="{75D19E29-5F27-4245-A6BF-FFD20FB31D67}"/>
+                <a16:creationId xmlns:a16="http://schemas.microsoft.com/office/drawing/2014/main" id="{0436AA19-6157-4572-A4C6-0D3375895C01}"/>
               </a:ext>
             </a:extLst>
           </p:cNvPr>
@@ -9937,340 +10932,18 @@
         </p:blipFill>
         <p:spPr>
           <a:xfrm>
-            <a:off x="5605843" y="4294394"/>
-            <a:ext cx="2638425" cy="485775"/>
+            <a:off x="743222" y="5479602"/>
+            <a:ext cx="6315075" cy="657225"/>
           </a:xfrm>
           <a:prstGeom prst="rect">
             <a:avLst/>
           </a:prstGeom>
         </p:spPr>
       </p:pic>
-      <p:sp>
-        <p:nvSpPr>
-          <p:cNvPr id="28" name="Arrow: Right 27">
-            <a:extLst>
-              <a:ext uri="{FF2B5EF4-FFF2-40B4-BE49-F238E27FC236}">
-                <a16:creationId xmlns:a16="http://schemas.microsoft.com/office/drawing/2014/main" id="{F1995021-96AC-4BAC-86A1-64BA00842069}"/>
-              </a:ext>
-            </a:extLst>
-          </p:cNvPr>
-          <p:cNvSpPr/>
-          <p:nvPr/>
-        </p:nvSpPr>
-        <p:spPr>
-          <a:xfrm rot="5400000">
-            <a:off x="2123358" y="2282846"/>
-            <a:ext cx="876670" cy="674703"/>
-          </a:xfrm>
-          <a:prstGeom prst="rightArrow">
-            <a:avLst/>
-          </a:prstGeom>
-          <a:solidFill>
-            <a:srgbClr val="0070C0"/>
-          </a:solidFill>
-          <a:ln w="38100">
-            <a:solidFill>
-              <a:schemeClr val="tx1">
-                <a:lumMod val="85000"/>
-                <a:lumOff val="15000"/>
-              </a:schemeClr>
-            </a:solidFill>
-          </a:ln>
-        </p:spPr>
-        <p:style>
-          <a:lnRef idx="2">
-            <a:schemeClr val="accent1">
-              <a:shade val="50000"/>
-            </a:schemeClr>
-          </a:lnRef>
-          <a:fillRef idx="1">
-            <a:schemeClr val="accent1"/>
-          </a:fillRef>
-          <a:effectRef idx="0">
-            <a:schemeClr val="accent1"/>
-          </a:effectRef>
-          <a:fontRef idx="minor">
-            <a:schemeClr val="lt1"/>
-          </a:fontRef>
-        </p:style>
-        <p:txBody>
-          <a:bodyPr rtlCol="0" anchor="ctr"/>
-          <a:lstStyle/>
-          <a:p>
-            <a:pPr algn="ctr"/>
-            <a:endParaRPr lang="en-US"/>
-          </a:p>
-        </p:txBody>
-      </p:sp>
-      <p:sp>
-        <p:nvSpPr>
-          <p:cNvPr id="29" name="Rectangle 28">
-            <a:extLst>
-              <a:ext uri="{FF2B5EF4-FFF2-40B4-BE49-F238E27FC236}">
-                <a16:creationId xmlns:a16="http://schemas.microsoft.com/office/drawing/2014/main" id="{2192E004-78A2-450F-89EA-D71F8F5A986A}"/>
-              </a:ext>
-            </a:extLst>
-          </p:cNvPr>
-          <p:cNvSpPr/>
-          <p:nvPr/>
-        </p:nvSpPr>
-        <p:spPr>
-          <a:xfrm>
-            <a:off x="1273519" y="3479150"/>
-            <a:ext cx="2524289" cy="257453"/>
-          </a:xfrm>
-          <a:prstGeom prst="rect">
-            <a:avLst/>
-          </a:prstGeom>
-          <a:noFill/>
-          <a:ln w="57150">
-            <a:solidFill>
-              <a:srgbClr val="C00000"/>
-            </a:solidFill>
-          </a:ln>
-        </p:spPr>
-        <p:style>
-          <a:lnRef idx="2">
-            <a:schemeClr val="accent1">
-              <a:shade val="50000"/>
-            </a:schemeClr>
-          </a:lnRef>
-          <a:fillRef idx="1">
-            <a:schemeClr val="accent1"/>
-          </a:fillRef>
-          <a:effectRef idx="0">
-            <a:schemeClr val="accent1"/>
-          </a:effectRef>
-          <a:fontRef idx="minor">
-            <a:schemeClr val="lt1"/>
-          </a:fontRef>
-        </p:style>
-        <p:txBody>
-          <a:bodyPr rtlCol="0" anchor="ctr"/>
-          <a:lstStyle/>
-          <a:p>
-            <a:pPr algn="ctr"/>
-            <a:endParaRPr lang="en-US" dirty="0"/>
-          </a:p>
-        </p:txBody>
-      </p:sp>
-      <p:sp>
-        <p:nvSpPr>
-          <p:cNvPr id="32" name="Rectangle 31">
-            <a:extLst>
-              <a:ext uri="{FF2B5EF4-FFF2-40B4-BE49-F238E27FC236}">
-                <a16:creationId xmlns:a16="http://schemas.microsoft.com/office/drawing/2014/main" id="{4E75417D-99D6-4401-A757-5FF75DC2B0B4}"/>
-              </a:ext>
-            </a:extLst>
-          </p:cNvPr>
-          <p:cNvSpPr/>
-          <p:nvPr/>
-        </p:nvSpPr>
-        <p:spPr>
-          <a:xfrm>
-            <a:off x="1273519" y="5307950"/>
-            <a:ext cx="2524288" cy="257453"/>
-          </a:xfrm>
-          <a:prstGeom prst="rect">
-            <a:avLst/>
-          </a:prstGeom>
-          <a:noFill/>
-          <a:ln w="57150">
-            <a:solidFill>
-              <a:srgbClr val="00B050"/>
-            </a:solidFill>
-          </a:ln>
-        </p:spPr>
-        <p:style>
-          <a:lnRef idx="2">
-            <a:schemeClr val="accent1">
-              <a:shade val="50000"/>
-            </a:schemeClr>
-          </a:lnRef>
-          <a:fillRef idx="1">
-            <a:schemeClr val="accent1"/>
-          </a:fillRef>
-          <a:effectRef idx="0">
-            <a:schemeClr val="accent1"/>
-          </a:effectRef>
-          <a:fontRef idx="minor">
-            <a:schemeClr val="lt1"/>
-          </a:fontRef>
-        </p:style>
-        <p:txBody>
-          <a:bodyPr rtlCol="0" anchor="ctr"/>
-          <a:lstStyle/>
-          <a:p>
-            <a:pPr algn="ctr"/>
-            <a:endParaRPr lang="en-US" dirty="0"/>
-          </a:p>
-        </p:txBody>
-      </p:sp>
-      <p:sp>
-        <p:nvSpPr>
-          <p:cNvPr id="33" name="Arrow: Right 32">
-            <a:extLst>
-              <a:ext uri="{FF2B5EF4-FFF2-40B4-BE49-F238E27FC236}">
-                <a16:creationId xmlns:a16="http://schemas.microsoft.com/office/drawing/2014/main" id="{1B1AF21F-F298-4EA7-9A50-219D4995D825}"/>
-              </a:ext>
-            </a:extLst>
-          </p:cNvPr>
-          <p:cNvSpPr/>
-          <p:nvPr/>
-        </p:nvSpPr>
-        <p:spPr>
-          <a:xfrm>
-            <a:off x="4384270" y="4199929"/>
-            <a:ext cx="876670" cy="674703"/>
-          </a:xfrm>
-          <a:prstGeom prst="rightArrow">
-            <a:avLst/>
-          </a:prstGeom>
-          <a:solidFill>
-            <a:srgbClr val="0070C0"/>
-          </a:solidFill>
-          <a:ln w="38100">
-            <a:solidFill>
-              <a:schemeClr val="tx1">
-                <a:lumMod val="85000"/>
-                <a:lumOff val="15000"/>
-              </a:schemeClr>
-            </a:solidFill>
-          </a:ln>
-        </p:spPr>
-        <p:style>
-          <a:lnRef idx="2">
-            <a:schemeClr val="accent1">
-              <a:shade val="50000"/>
-            </a:schemeClr>
-          </a:lnRef>
-          <a:fillRef idx="1">
-            <a:schemeClr val="accent1"/>
-          </a:fillRef>
-          <a:effectRef idx="0">
-            <a:schemeClr val="accent1"/>
-          </a:effectRef>
-          <a:fontRef idx="minor">
-            <a:schemeClr val="lt1"/>
-          </a:fontRef>
-        </p:style>
-        <p:txBody>
-          <a:bodyPr rtlCol="0" anchor="ctr"/>
-          <a:lstStyle/>
-          <a:p>
-            <a:pPr algn="ctr"/>
-            <a:endParaRPr lang="en-US"/>
-          </a:p>
-        </p:txBody>
-      </p:sp>
-      <p:sp>
-        <p:nvSpPr>
-          <p:cNvPr id="17" name="Rectangle 16">
-            <a:extLst>
-              <a:ext uri="{FF2B5EF4-FFF2-40B4-BE49-F238E27FC236}">
-                <a16:creationId xmlns:a16="http://schemas.microsoft.com/office/drawing/2014/main" id="{1B2E6B28-A4DC-458F-B75A-2636DA641272}"/>
-              </a:ext>
-            </a:extLst>
-          </p:cNvPr>
-          <p:cNvSpPr/>
-          <p:nvPr/>
-        </p:nvSpPr>
-        <p:spPr>
-          <a:xfrm>
-            <a:off x="5715000" y="4400120"/>
-            <a:ext cx="381000" cy="274320"/>
-          </a:xfrm>
-          <a:prstGeom prst="rect">
-            <a:avLst/>
-          </a:prstGeom>
-          <a:noFill/>
-          <a:ln w="57150">
-            <a:solidFill>
-              <a:srgbClr val="C00000"/>
-            </a:solidFill>
-          </a:ln>
-        </p:spPr>
-        <p:style>
-          <a:lnRef idx="2">
-            <a:schemeClr val="accent1">
-              <a:shade val="50000"/>
-            </a:schemeClr>
-          </a:lnRef>
-          <a:fillRef idx="1">
-            <a:schemeClr val="accent1"/>
-          </a:fillRef>
-          <a:effectRef idx="0">
-            <a:schemeClr val="accent1"/>
-          </a:effectRef>
-          <a:fontRef idx="minor">
-            <a:schemeClr val="lt1"/>
-          </a:fontRef>
-        </p:style>
-        <p:txBody>
-          <a:bodyPr rtlCol="0" anchor="ctr"/>
-          <a:lstStyle/>
-          <a:p>
-            <a:pPr algn="ctr"/>
-            <a:endParaRPr lang="en-US"/>
-          </a:p>
-        </p:txBody>
-      </p:sp>
-      <p:sp>
-        <p:nvSpPr>
-          <p:cNvPr id="34" name="Rectangle 33">
-            <a:extLst>
-              <a:ext uri="{FF2B5EF4-FFF2-40B4-BE49-F238E27FC236}">
-                <a16:creationId xmlns:a16="http://schemas.microsoft.com/office/drawing/2014/main" id="{F2FE6AE5-3F10-4F4E-B4A8-7C03DF0A72E6}"/>
-              </a:ext>
-            </a:extLst>
-          </p:cNvPr>
-          <p:cNvSpPr/>
-          <p:nvPr/>
-        </p:nvSpPr>
-        <p:spPr>
-          <a:xfrm>
-            <a:off x="5661660" y="4294394"/>
-            <a:ext cx="2072640" cy="485775"/>
-          </a:xfrm>
-          <a:prstGeom prst="rect">
-            <a:avLst/>
-          </a:prstGeom>
-          <a:noFill/>
-          <a:ln w="38100">
-            <a:solidFill>
-              <a:srgbClr val="00B050"/>
-            </a:solidFill>
-          </a:ln>
-        </p:spPr>
-        <p:style>
-          <a:lnRef idx="2">
-            <a:schemeClr val="accent1">
-              <a:shade val="50000"/>
-            </a:schemeClr>
-          </a:lnRef>
-          <a:fillRef idx="1">
-            <a:schemeClr val="accent1"/>
-          </a:fillRef>
-          <a:effectRef idx="0">
-            <a:schemeClr val="accent1"/>
-          </a:effectRef>
-          <a:fontRef idx="minor">
-            <a:schemeClr val="lt1"/>
-          </a:fontRef>
-        </p:style>
-        <p:txBody>
-          <a:bodyPr rtlCol="0" anchor="ctr"/>
-          <a:lstStyle/>
-          <a:p>
-            <a:pPr algn="ctr"/>
-            <a:endParaRPr lang="en-US"/>
-          </a:p>
-        </p:txBody>
-      </p:sp>
     </p:spTree>
     <p:extLst>
       <p:ext uri="{BB962C8B-B14F-4D97-AF65-F5344CB8AC3E}">
-        <p14:creationId xmlns:p14="http://schemas.microsoft.com/office/powerpoint/2010/main" val="4251307785"/>
+        <p14:creationId xmlns:p14="http://schemas.microsoft.com/office/powerpoint/2010/main" val="1345228011"/>
       </p:ext>
     </p:extLst>
   </p:cSld>
@@ -10348,7 +11021,7 @@
                 <a:latin typeface="Segoe UI" panose="020B0502040204020203" pitchFamily="34" charset="0"/>
                 <a:cs typeface="Segoe UI" panose="020B0502040204020203" pitchFamily="34" charset="0"/>
               </a:rPr>
-              <a:t> | repo</a:t>
+              <a:t> | bar</a:t>
             </a:r>
             <a:endParaRPr lang="en-US" sz="1600" b="1" dirty="0">
               <a:solidFill>
@@ -10363,45 +11036,536 @@
           </a:p>
         </p:txBody>
       </p:sp>
-      <p:sp>
-        <p:nvSpPr>
-          <p:cNvPr id="15" name="TextBox 14">
+      <p:pic>
+        <p:nvPicPr>
+          <p:cNvPr id="14" name="Picture 13">
             <a:extLst>
               <a:ext uri="{FF2B5EF4-FFF2-40B4-BE49-F238E27FC236}">
-                <a16:creationId xmlns:a16="http://schemas.microsoft.com/office/drawing/2014/main" id="{1C1B7C8E-FB6F-42B0-B676-EDA93A943FBA}"/>
+                <a16:creationId xmlns:a16="http://schemas.microsoft.com/office/drawing/2014/main" id="{4ED9B6F9-DFDF-47BA-B97E-791018F0F9D6}"/>
               </a:ext>
             </a:extLst>
           </p:cNvPr>
-          <p:cNvSpPr txBox="1"/>
+          <p:cNvPicPr>
+            <a:picLocks noChangeAspect="1"/>
+          </p:cNvPicPr>
           <p:nvPr/>
-        </p:nvSpPr>
-        <p:spPr>
-          <a:xfrm>
-            <a:off x="1154321" y="1832094"/>
-            <a:ext cx="6101080" cy="369332"/>
+        </p:nvPicPr>
+        <p:blipFill>
+          <a:blip r:embed="rId2"/>
+          <a:stretch>
+            <a:fillRect/>
+          </a:stretch>
+        </p:blipFill>
+        <p:spPr>
+          <a:xfrm>
+            <a:off x="1130508" y="1736527"/>
+            <a:ext cx="5838825" cy="304800"/>
+          </a:xfrm>
+          <a:prstGeom prst="rect">
+            <a:avLst/>
+          </a:prstGeom>
+          <a:ln w="57150">
+            <a:solidFill>
+              <a:srgbClr val="0070C0"/>
+            </a:solidFill>
+          </a:ln>
+        </p:spPr>
+      </p:pic>
+      <p:pic>
+        <p:nvPicPr>
+          <p:cNvPr id="23" name="Picture 22">
+            <a:extLst>
+              <a:ext uri="{FF2B5EF4-FFF2-40B4-BE49-F238E27FC236}">
+                <a16:creationId xmlns:a16="http://schemas.microsoft.com/office/drawing/2014/main" id="{079EB600-5E5A-4B75-89A4-7802B7122C0B}"/>
+              </a:ext>
+            </a:extLst>
+          </p:cNvPr>
+          <p:cNvPicPr>
+            <a:picLocks noChangeAspect="1"/>
+          </p:cNvPicPr>
+          <p:nvPr/>
+        </p:nvPicPr>
+        <p:blipFill>
+          <a:blip r:embed="rId3"/>
+          <a:stretch>
+            <a:fillRect/>
+          </a:stretch>
+        </p:blipFill>
+        <p:spPr>
+          <a:xfrm>
+            <a:off x="1130508" y="3228500"/>
+            <a:ext cx="2862372" cy="2617564"/>
+          </a:xfrm>
+          <a:prstGeom prst="rect">
+            <a:avLst/>
+          </a:prstGeom>
+          <a:ln w="57150">
+            <a:solidFill>
+              <a:srgbClr val="0070C0"/>
+            </a:solidFill>
+          </a:ln>
+        </p:spPr>
+      </p:pic>
+      <p:sp>
+        <p:nvSpPr>
+          <p:cNvPr id="12" name="Rectangle 11">
+            <a:extLst>
+              <a:ext uri="{FF2B5EF4-FFF2-40B4-BE49-F238E27FC236}">
+                <a16:creationId xmlns:a16="http://schemas.microsoft.com/office/drawing/2014/main" id="{B5900014-EF7B-4C7F-BD71-C576C5AC62FB}"/>
+              </a:ext>
+            </a:extLst>
+          </p:cNvPr>
+          <p:cNvSpPr/>
+          <p:nvPr/>
+        </p:nvSpPr>
+        <p:spPr>
+          <a:xfrm>
+            <a:off x="2680679" y="1753982"/>
+            <a:ext cx="1312201" cy="257453"/>
           </a:xfrm>
           <a:prstGeom prst="rect">
             <a:avLst/>
           </a:prstGeom>
           <a:noFill/>
-        </p:spPr>
-        <p:txBody>
-          <a:bodyPr wrap="square">
-            <a:spAutoFit/>
-          </a:bodyPr>
-          <a:lstStyle/>
-          <a:p>
-            <a:r>
-              <a:rPr lang="en-US" dirty="0"/>
-              <a:t>https://github.com/aviezzi/john-doe</a:t>
-            </a:r>
+          <a:ln w="57150">
+            <a:solidFill>
+              <a:srgbClr val="C00000"/>
+            </a:solidFill>
+          </a:ln>
+        </p:spPr>
+        <p:style>
+          <a:lnRef idx="2">
+            <a:schemeClr val="accent1">
+              <a:shade val="50000"/>
+            </a:schemeClr>
+          </a:lnRef>
+          <a:fillRef idx="1">
+            <a:schemeClr val="accent1"/>
+          </a:fillRef>
+          <a:effectRef idx="0">
+            <a:schemeClr val="accent1"/>
+          </a:effectRef>
+          <a:fontRef idx="minor">
+            <a:schemeClr val="lt1"/>
+          </a:fontRef>
+        </p:style>
+        <p:txBody>
+          <a:bodyPr rtlCol="0" anchor="ctr"/>
+          <a:lstStyle/>
+          <a:p>
+            <a:pPr algn="ctr"/>
+            <a:endParaRPr lang="en-US" dirty="0"/>
+          </a:p>
+        </p:txBody>
+      </p:sp>
+      <p:sp>
+        <p:nvSpPr>
+          <p:cNvPr id="25" name="Rectangle 24">
+            <a:extLst>
+              <a:ext uri="{FF2B5EF4-FFF2-40B4-BE49-F238E27FC236}">
+                <a16:creationId xmlns:a16="http://schemas.microsoft.com/office/drawing/2014/main" id="{DEB5E6F9-7904-41B3-A907-308B9B234AE5}"/>
+              </a:ext>
+            </a:extLst>
+          </p:cNvPr>
+          <p:cNvSpPr/>
+          <p:nvPr/>
+        </p:nvSpPr>
+        <p:spPr>
+          <a:xfrm>
+            <a:off x="4049920" y="1753982"/>
+            <a:ext cx="2186288" cy="257453"/>
+          </a:xfrm>
+          <a:prstGeom prst="rect">
+            <a:avLst/>
+          </a:prstGeom>
+          <a:noFill/>
+          <a:ln w="57150">
+            <a:solidFill>
+              <a:srgbClr val="00B050"/>
+            </a:solidFill>
+          </a:ln>
+        </p:spPr>
+        <p:style>
+          <a:lnRef idx="2">
+            <a:schemeClr val="accent1">
+              <a:shade val="50000"/>
+            </a:schemeClr>
+          </a:lnRef>
+          <a:fillRef idx="1">
+            <a:schemeClr val="accent1"/>
+          </a:fillRef>
+          <a:effectRef idx="0">
+            <a:schemeClr val="accent1"/>
+          </a:effectRef>
+          <a:fontRef idx="minor">
+            <a:schemeClr val="lt1"/>
+          </a:fontRef>
+        </p:style>
+        <p:txBody>
+          <a:bodyPr rtlCol="0" anchor="ctr"/>
+          <a:lstStyle/>
+          <a:p>
+            <a:pPr algn="ctr"/>
+            <a:endParaRPr lang="en-US" dirty="0"/>
+          </a:p>
+        </p:txBody>
+      </p:sp>
+      <p:pic>
+        <p:nvPicPr>
+          <p:cNvPr id="27" name="Picture 26">
+            <a:extLst>
+              <a:ext uri="{FF2B5EF4-FFF2-40B4-BE49-F238E27FC236}">
+                <a16:creationId xmlns:a16="http://schemas.microsoft.com/office/drawing/2014/main" id="{75D19E29-5F27-4245-A6BF-FFD20FB31D67}"/>
+              </a:ext>
+            </a:extLst>
+          </p:cNvPr>
+          <p:cNvPicPr>
+            <a:picLocks noChangeAspect="1"/>
+          </p:cNvPicPr>
+          <p:nvPr/>
+        </p:nvPicPr>
+        <p:blipFill>
+          <a:blip r:embed="rId4"/>
+          <a:stretch>
+            <a:fillRect/>
+          </a:stretch>
+        </p:blipFill>
+        <p:spPr>
+          <a:xfrm>
+            <a:off x="5605843" y="4294394"/>
+            <a:ext cx="2638425" cy="485775"/>
+          </a:xfrm>
+          <a:prstGeom prst="rect">
+            <a:avLst/>
+          </a:prstGeom>
+        </p:spPr>
+      </p:pic>
+      <p:sp>
+        <p:nvSpPr>
+          <p:cNvPr id="28" name="Arrow: Right 27">
+            <a:extLst>
+              <a:ext uri="{FF2B5EF4-FFF2-40B4-BE49-F238E27FC236}">
+                <a16:creationId xmlns:a16="http://schemas.microsoft.com/office/drawing/2014/main" id="{F1995021-96AC-4BAC-86A1-64BA00842069}"/>
+              </a:ext>
+            </a:extLst>
+          </p:cNvPr>
+          <p:cNvSpPr/>
+          <p:nvPr/>
+        </p:nvSpPr>
+        <p:spPr>
+          <a:xfrm rot="5400000">
+            <a:off x="2123358" y="2282846"/>
+            <a:ext cx="876670" cy="674703"/>
+          </a:xfrm>
+          <a:prstGeom prst="rightArrow">
+            <a:avLst/>
+          </a:prstGeom>
+          <a:solidFill>
+            <a:srgbClr val="0070C0"/>
+          </a:solidFill>
+          <a:ln w="38100">
+            <a:solidFill>
+              <a:schemeClr val="tx1">
+                <a:lumMod val="85000"/>
+                <a:lumOff val="15000"/>
+              </a:schemeClr>
+            </a:solidFill>
+          </a:ln>
+        </p:spPr>
+        <p:style>
+          <a:lnRef idx="2">
+            <a:schemeClr val="accent1">
+              <a:shade val="50000"/>
+            </a:schemeClr>
+          </a:lnRef>
+          <a:fillRef idx="1">
+            <a:schemeClr val="accent1"/>
+          </a:fillRef>
+          <a:effectRef idx="0">
+            <a:schemeClr val="accent1"/>
+          </a:effectRef>
+          <a:fontRef idx="minor">
+            <a:schemeClr val="lt1"/>
+          </a:fontRef>
+        </p:style>
+        <p:txBody>
+          <a:bodyPr rtlCol="0" anchor="ctr"/>
+          <a:lstStyle/>
+          <a:p>
+            <a:pPr algn="ctr"/>
+            <a:endParaRPr lang="en-US"/>
+          </a:p>
+        </p:txBody>
+      </p:sp>
+      <p:sp>
+        <p:nvSpPr>
+          <p:cNvPr id="29" name="Rectangle 28">
+            <a:extLst>
+              <a:ext uri="{FF2B5EF4-FFF2-40B4-BE49-F238E27FC236}">
+                <a16:creationId xmlns:a16="http://schemas.microsoft.com/office/drawing/2014/main" id="{2192E004-78A2-450F-89EA-D71F8F5A986A}"/>
+              </a:ext>
+            </a:extLst>
+          </p:cNvPr>
+          <p:cNvSpPr/>
+          <p:nvPr/>
+        </p:nvSpPr>
+        <p:spPr>
+          <a:xfrm>
+            <a:off x="1273519" y="3479150"/>
+            <a:ext cx="2524289" cy="257453"/>
+          </a:xfrm>
+          <a:prstGeom prst="rect">
+            <a:avLst/>
+          </a:prstGeom>
+          <a:noFill/>
+          <a:ln w="57150">
+            <a:solidFill>
+              <a:srgbClr val="C00000"/>
+            </a:solidFill>
+          </a:ln>
+        </p:spPr>
+        <p:style>
+          <a:lnRef idx="2">
+            <a:schemeClr val="accent1">
+              <a:shade val="50000"/>
+            </a:schemeClr>
+          </a:lnRef>
+          <a:fillRef idx="1">
+            <a:schemeClr val="accent1"/>
+          </a:fillRef>
+          <a:effectRef idx="0">
+            <a:schemeClr val="accent1"/>
+          </a:effectRef>
+          <a:fontRef idx="minor">
+            <a:schemeClr val="lt1"/>
+          </a:fontRef>
+        </p:style>
+        <p:txBody>
+          <a:bodyPr rtlCol="0" anchor="ctr"/>
+          <a:lstStyle/>
+          <a:p>
+            <a:pPr algn="ctr"/>
+            <a:endParaRPr lang="en-US" dirty="0"/>
+          </a:p>
+        </p:txBody>
+      </p:sp>
+      <p:sp>
+        <p:nvSpPr>
+          <p:cNvPr id="32" name="Rectangle 31">
+            <a:extLst>
+              <a:ext uri="{FF2B5EF4-FFF2-40B4-BE49-F238E27FC236}">
+                <a16:creationId xmlns:a16="http://schemas.microsoft.com/office/drawing/2014/main" id="{4E75417D-99D6-4401-A757-5FF75DC2B0B4}"/>
+              </a:ext>
+            </a:extLst>
+          </p:cNvPr>
+          <p:cNvSpPr/>
+          <p:nvPr/>
+        </p:nvSpPr>
+        <p:spPr>
+          <a:xfrm>
+            <a:off x="1273519" y="5307950"/>
+            <a:ext cx="2524288" cy="257453"/>
+          </a:xfrm>
+          <a:prstGeom prst="rect">
+            <a:avLst/>
+          </a:prstGeom>
+          <a:noFill/>
+          <a:ln w="57150">
+            <a:solidFill>
+              <a:srgbClr val="00B050"/>
+            </a:solidFill>
+          </a:ln>
+        </p:spPr>
+        <p:style>
+          <a:lnRef idx="2">
+            <a:schemeClr val="accent1">
+              <a:shade val="50000"/>
+            </a:schemeClr>
+          </a:lnRef>
+          <a:fillRef idx="1">
+            <a:schemeClr val="accent1"/>
+          </a:fillRef>
+          <a:effectRef idx="0">
+            <a:schemeClr val="accent1"/>
+          </a:effectRef>
+          <a:fontRef idx="minor">
+            <a:schemeClr val="lt1"/>
+          </a:fontRef>
+        </p:style>
+        <p:txBody>
+          <a:bodyPr rtlCol="0" anchor="ctr"/>
+          <a:lstStyle/>
+          <a:p>
+            <a:pPr algn="ctr"/>
+            <a:endParaRPr lang="en-US" dirty="0"/>
+          </a:p>
+        </p:txBody>
+      </p:sp>
+      <p:sp>
+        <p:nvSpPr>
+          <p:cNvPr id="33" name="Arrow: Right 32">
+            <a:extLst>
+              <a:ext uri="{FF2B5EF4-FFF2-40B4-BE49-F238E27FC236}">
+                <a16:creationId xmlns:a16="http://schemas.microsoft.com/office/drawing/2014/main" id="{1B1AF21F-F298-4EA7-9A50-219D4995D825}"/>
+              </a:ext>
+            </a:extLst>
+          </p:cNvPr>
+          <p:cNvSpPr/>
+          <p:nvPr/>
+        </p:nvSpPr>
+        <p:spPr>
+          <a:xfrm>
+            <a:off x="4384270" y="4199929"/>
+            <a:ext cx="876670" cy="674703"/>
+          </a:xfrm>
+          <a:prstGeom prst="rightArrow">
+            <a:avLst/>
+          </a:prstGeom>
+          <a:solidFill>
+            <a:srgbClr val="0070C0"/>
+          </a:solidFill>
+          <a:ln w="38100">
+            <a:solidFill>
+              <a:schemeClr val="tx1">
+                <a:lumMod val="85000"/>
+                <a:lumOff val="15000"/>
+              </a:schemeClr>
+            </a:solidFill>
+          </a:ln>
+        </p:spPr>
+        <p:style>
+          <a:lnRef idx="2">
+            <a:schemeClr val="accent1">
+              <a:shade val="50000"/>
+            </a:schemeClr>
+          </a:lnRef>
+          <a:fillRef idx="1">
+            <a:schemeClr val="accent1"/>
+          </a:fillRef>
+          <a:effectRef idx="0">
+            <a:schemeClr val="accent1"/>
+          </a:effectRef>
+          <a:fontRef idx="minor">
+            <a:schemeClr val="lt1"/>
+          </a:fontRef>
+        </p:style>
+        <p:txBody>
+          <a:bodyPr rtlCol="0" anchor="ctr"/>
+          <a:lstStyle/>
+          <a:p>
+            <a:pPr algn="ctr"/>
+            <a:endParaRPr lang="en-US"/>
+          </a:p>
+        </p:txBody>
+      </p:sp>
+      <p:sp>
+        <p:nvSpPr>
+          <p:cNvPr id="17" name="Rectangle 16">
+            <a:extLst>
+              <a:ext uri="{FF2B5EF4-FFF2-40B4-BE49-F238E27FC236}">
+                <a16:creationId xmlns:a16="http://schemas.microsoft.com/office/drawing/2014/main" id="{1B2E6B28-A4DC-458F-B75A-2636DA641272}"/>
+              </a:ext>
+            </a:extLst>
+          </p:cNvPr>
+          <p:cNvSpPr/>
+          <p:nvPr/>
+        </p:nvSpPr>
+        <p:spPr>
+          <a:xfrm>
+            <a:off x="5715000" y="4400120"/>
+            <a:ext cx="381000" cy="274320"/>
+          </a:xfrm>
+          <a:prstGeom prst="rect">
+            <a:avLst/>
+          </a:prstGeom>
+          <a:noFill/>
+          <a:ln w="57150">
+            <a:solidFill>
+              <a:srgbClr val="C00000"/>
+            </a:solidFill>
+          </a:ln>
+        </p:spPr>
+        <p:style>
+          <a:lnRef idx="2">
+            <a:schemeClr val="accent1">
+              <a:shade val="50000"/>
+            </a:schemeClr>
+          </a:lnRef>
+          <a:fillRef idx="1">
+            <a:schemeClr val="accent1"/>
+          </a:fillRef>
+          <a:effectRef idx="0">
+            <a:schemeClr val="accent1"/>
+          </a:effectRef>
+          <a:fontRef idx="minor">
+            <a:schemeClr val="lt1"/>
+          </a:fontRef>
+        </p:style>
+        <p:txBody>
+          <a:bodyPr rtlCol="0" anchor="ctr"/>
+          <a:lstStyle/>
+          <a:p>
+            <a:pPr algn="ctr"/>
+            <a:endParaRPr lang="en-US"/>
+          </a:p>
+        </p:txBody>
+      </p:sp>
+      <p:sp>
+        <p:nvSpPr>
+          <p:cNvPr id="34" name="Rectangle 33">
+            <a:extLst>
+              <a:ext uri="{FF2B5EF4-FFF2-40B4-BE49-F238E27FC236}">
+                <a16:creationId xmlns:a16="http://schemas.microsoft.com/office/drawing/2014/main" id="{F2FE6AE5-3F10-4F4E-B4A8-7C03DF0A72E6}"/>
+              </a:ext>
+            </a:extLst>
+          </p:cNvPr>
+          <p:cNvSpPr/>
+          <p:nvPr/>
+        </p:nvSpPr>
+        <p:spPr>
+          <a:xfrm>
+            <a:off x="5661660" y="4294394"/>
+            <a:ext cx="2072640" cy="485775"/>
+          </a:xfrm>
+          <a:prstGeom prst="rect">
+            <a:avLst/>
+          </a:prstGeom>
+          <a:noFill/>
+          <a:ln w="38100">
+            <a:solidFill>
+              <a:srgbClr val="00B050"/>
+            </a:solidFill>
+          </a:ln>
+        </p:spPr>
+        <p:style>
+          <a:lnRef idx="2">
+            <a:schemeClr val="accent1">
+              <a:shade val="50000"/>
+            </a:schemeClr>
+          </a:lnRef>
+          <a:fillRef idx="1">
+            <a:schemeClr val="accent1"/>
+          </a:fillRef>
+          <a:effectRef idx="0">
+            <a:schemeClr val="accent1"/>
+          </a:effectRef>
+          <a:fontRef idx="minor">
+            <a:schemeClr val="lt1"/>
+          </a:fontRef>
+        </p:style>
+        <p:txBody>
+          <a:bodyPr rtlCol="0" anchor="ctr"/>
+          <a:lstStyle/>
+          <a:p>
+            <a:pPr algn="ctr"/>
+            <a:endParaRPr lang="en-US"/>
           </a:p>
         </p:txBody>
       </p:sp>
     </p:spTree>
     <p:extLst>
       <p:ext uri="{BB962C8B-B14F-4D97-AF65-F5344CB8AC3E}">
-        <p14:creationId xmlns:p14="http://schemas.microsoft.com/office/powerpoint/2010/main" val="1812819045"/>
+        <p14:creationId xmlns:p14="http://schemas.microsoft.com/office/powerpoint/2010/main" val="4251307785"/>
       </p:ext>
     </p:extLst>
   </p:cSld>
@@ -10964,12 +12128,6 @@
 </file>
 
 <file path=customXml/item1.xml><?xml version="1.0" encoding="utf-8"?>
-<p:properties xmlns:p="http://schemas.microsoft.com/office/2006/metadata/properties" xmlns:xsi="http://www.w3.org/2001/XMLSchema-instance" xmlns:pc="http://schemas.microsoft.com/office/infopath/2007/PartnerControls">
-  <documentManagement/>
-</p:properties>
-</file>
-
-<file path=customXml/item2.xml><?xml version="1.0" encoding="utf-8"?>
 <ct:contentTypeSchema xmlns:ct="http://schemas.microsoft.com/office/2006/metadata/contentType" xmlns:ma="http://schemas.microsoft.com/office/2006/metadata/properties/metaAttributes" ct:_="" ma:_="" ma:contentTypeName="Document" ma:contentTypeID="0x0101009A2BE1F110D95A43A6786136BCEB8641" ma:contentTypeVersion="13" ma:contentTypeDescription="Create a new document." ma:contentTypeScope="" ma:versionID="ce6829bd29cf2307478b9657f9910775">
   <xsd:schema xmlns:xsd="http://www.w3.org/2001/XMLSchema" xmlns:xs="http://www.w3.org/2001/XMLSchema" xmlns:p="http://schemas.microsoft.com/office/2006/metadata/properties" xmlns:ns3="356f36b9-8e44-4ca5-bba7-af1e5462cc3e" xmlns:ns4="4b418e1e-ab92-4533-8118-c23e1e558c8c" targetNamespace="http://schemas.microsoft.com/office/2006/metadata/properties" ma:root="true" ma:fieldsID="786f6e5f8809c9a460249a9b742b0bd2" ns3:_="" ns4:_="">
     <xsd:import namespace="356f36b9-8e44-4ca5-bba7-af1e5462cc3e"/>
@@ -11192,6 +12350,12 @@
 </ct:contentTypeSchema>
 </file>
 
+<file path=customXml/item2.xml><?xml version="1.0" encoding="utf-8"?>
+<p:properties xmlns:p="http://schemas.microsoft.com/office/2006/metadata/properties" xmlns:xsi="http://www.w3.org/2001/XMLSchema-instance" xmlns:pc="http://schemas.microsoft.com/office/infopath/2007/PartnerControls">
+  <documentManagement/>
+</p:properties>
+</file>
+
 <file path=customXml/item3.xml><?xml version="1.0" encoding="utf-8"?>
 <?mso-contentType ?>
 <FormTemplates xmlns="http://schemas.microsoft.com/sharepoint/v3/contenttype/forms">
@@ -11202,23 +12366,6 @@
 </file>
 
 <file path=customXml/itemProps1.xml><?xml version="1.0" encoding="utf-8"?>
-<ds:datastoreItem xmlns:ds="http://schemas.openxmlformats.org/officeDocument/2006/customXml" ds:itemID="{003782F6-33C2-44BE-9931-FD1B0CDE3DA2}">
-  <ds:schemaRefs>
-    <ds:schemaRef ds:uri="http://schemas.microsoft.com/office/2006/documentManagement/types"/>
-    <ds:schemaRef ds:uri="http://schemas.microsoft.com/office/2006/metadata/properties"/>
-    <ds:schemaRef ds:uri="http://purl.org/dc/terms/"/>
-    <ds:schemaRef ds:uri="http://schemas.openxmlformats.org/package/2006/metadata/core-properties"/>
-    <ds:schemaRef ds:uri="356f36b9-8e44-4ca5-bba7-af1e5462cc3e"/>
-    <ds:schemaRef ds:uri="http://purl.org/dc/dcmitype/"/>
-    <ds:schemaRef ds:uri="http://schemas.microsoft.com/office/infopath/2007/PartnerControls"/>
-    <ds:schemaRef ds:uri="4b418e1e-ab92-4533-8118-c23e1e558c8c"/>
-    <ds:schemaRef ds:uri="http://www.w3.org/XML/1998/namespace"/>
-    <ds:schemaRef ds:uri="http://purl.org/dc/elements/1.1/"/>
-  </ds:schemaRefs>
-</ds:datastoreItem>
-</file>
-
-<file path=customXml/itemProps2.xml><?xml version="1.0" encoding="utf-8"?>
 <ds:datastoreItem xmlns:ds="http://schemas.openxmlformats.org/officeDocument/2006/customXml" ds:itemID="{820A405D-3484-4ED2-94D4-9C6C74769E77}">
   <ds:schemaRefs>
     <ds:schemaRef ds:uri="http://schemas.microsoft.com/office/2006/metadata/contentType"/>
@@ -11237,6 +12384,23 @@
 </ds:datastoreItem>
 </file>
 
+<file path=customXml/itemProps2.xml><?xml version="1.0" encoding="utf-8"?>
+<ds:datastoreItem xmlns:ds="http://schemas.openxmlformats.org/officeDocument/2006/customXml" ds:itemID="{003782F6-33C2-44BE-9931-FD1B0CDE3DA2}">
+  <ds:schemaRefs>
+    <ds:schemaRef ds:uri="http://schemas.microsoft.com/office/2006/documentManagement/types"/>
+    <ds:schemaRef ds:uri="http://schemas.microsoft.com/office/2006/metadata/properties"/>
+    <ds:schemaRef ds:uri="http://purl.org/dc/terms/"/>
+    <ds:schemaRef ds:uri="http://schemas.openxmlformats.org/package/2006/metadata/core-properties"/>
+    <ds:schemaRef ds:uri="356f36b9-8e44-4ca5-bba7-af1e5462cc3e"/>
+    <ds:schemaRef ds:uri="http://purl.org/dc/dcmitype/"/>
+    <ds:schemaRef ds:uri="http://schemas.microsoft.com/office/infopath/2007/PartnerControls"/>
+    <ds:schemaRef ds:uri="4b418e1e-ab92-4533-8118-c23e1e558c8c"/>
+    <ds:schemaRef ds:uri="http://www.w3.org/XML/1998/namespace"/>
+    <ds:schemaRef ds:uri="http://purl.org/dc/elements/1.1/"/>
+  </ds:schemaRefs>
+</ds:datastoreItem>
+</file>
+
 <file path=customXml/itemProps3.xml><?xml version="1.0" encoding="utf-8"?>
 <ds:datastoreItem xmlns:ds="http://schemas.openxmlformats.org/officeDocument/2006/customXml" ds:itemID="{66A69156-554A-4CE8-84EF-E59A462C9D8A}">
   <ds:schemaRefs>
